--- a/OtherStuff/Presentation/assumptions + definitions + overall description.pptx
+++ b/OtherStuff/Presentation/assumptions + definitions + overall description.pptx
@@ -302,7 +302,7 @@
           <a:p>
             <a:fld id="{9E7381E1-6F39-460D-9A29-C142A3D07203}" type="datetimeFigureOut">
               <a:rPr lang="it-IT" smtClean="0"/>
-              <a:t>07/11/2015</a:t>
+              <a:t>08/11/2015</a:t>
             </a:fld>
             <a:endParaRPr lang="it-IT"/>
           </a:p>
@@ -472,7 +472,7 @@
           <a:p>
             <a:fld id="{9E7381E1-6F39-460D-9A29-C142A3D07203}" type="datetimeFigureOut">
               <a:rPr lang="it-IT" smtClean="0"/>
-              <a:t>07/11/2015</a:t>
+              <a:t>08/11/2015</a:t>
             </a:fld>
             <a:endParaRPr lang="it-IT"/>
           </a:p>
@@ -652,7 +652,7 @@
           <a:p>
             <a:fld id="{9E7381E1-6F39-460D-9A29-C142A3D07203}" type="datetimeFigureOut">
               <a:rPr lang="it-IT" smtClean="0"/>
-              <a:t>07/11/2015</a:t>
+              <a:t>08/11/2015</a:t>
             </a:fld>
             <a:endParaRPr lang="it-IT"/>
           </a:p>
@@ -822,7 +822,7 @@
           <a:p>
             <a:fld id="{9E7381E1-6F39-460D-9A29-C142A3D07203}" type="datetimeFigureOut">
               <a:rPr lang="it-IT" smtClean="0"/>
-              <a:t>07/11/2015</a:t>
+              <a:t>08/11/2015</a:t>
             </a:fld>
             <a:endParaRPr lang="it-IT"/>
           </a:p>
@@ -1068,7 +1068,7 @@
           <a:p>
             <a:fld id="{9E7381E1-6F39-460D-9A29-C142A3D07203}" type="datetimeFigureOut">
               <a:rPr lang="it-IT" smtClean="0"/>
-              <a:t>07/11/2015</a:t>
+              <a:t>08/11/2015</a:t>
             </a:fld>
             <a:endParaRPr lang="it-IT"/>
           </a:p>
@@ -1356,7 +1356,7 @@
           <a:p>
             <a:fld id="{9E7381E1-6F39-460D-9A29-C142A3D07203}" type="datetimeFigureOut">
               <a:rPr lang="it-IT" smtClean="0"/>
-              <a:t>07/11/2015</a:t>
+              <a:t>08/11/2015</a:t>
             </a:fld>
             <a:endParaRPr lang="it-IT"/>
           </a:p>
@@ -1778,7 +1778,7 @@
           <a:p>
             <a:fld id="{9E7381E1-6F39-460D-9A29-C142A3D07203}" type="datetimeFigureOut">
               <a:rPr lang="it-IT" smtClean="0"/>
-              <a:t>07/11/2015</a:t>
+              <a:t>08/11/2015</a:t>
             </a:fld>
             <a:endParaRPr lang="it-IT"/>
           </a:p>
@@ -1896,7 +1896,7 @@
           <a:p>
             <a:fld id="{9E7381E1-6F39-460D-9A29-C142A3D07203}" type="datetimeFigureOut">
               <a:rPr lang="it-IT" smtClean="0"/>
-              <a:t>07/11/2015</a:t>
+              <a:t>08/11/2015</a:t>
             </a:fld>
             <a:endParaRPr lang="it-IT"/>
           </a:p>
@@ -1991,7 +1991,7 @@
           <a:p>
             <a:fld id="{9E7381E1-6F39-460D-9A29-C142A3D07203}" type="datetimeFigureOut">
               <a:rPr lang="it-IT" smtClean="0"/>
-              <a:t>07/11/2015</a:t>
+              <a:t>08/11/2015</a:t>
             </a:fld>
             <a:endParaRPr lang="it-IT"/>
           </a:p>
@@ -2268,7 +2268,7 @@
           <a:p>
             <a:fld id="{9E7381E1-6F39-460D-9A29-C142A3D07203}" type="datetimeFigureOut">
               <a:rPr lang="it-IT" smtClean="0"/>
-              <a:t>07/11/2015</a:t>
+              <a:t>08/11/2015</a:t>
             </a:fld>
             <a:endParaRPr lang="it-IT"/>
           </a:p>
@@ -2521,7 +2521,7 @@
           <a:p>
             <a:fld id="{9E7381E1-6F39-460D-9A29-C142A3D07203}" type="datetimeFigureOut">
               <a:rPr lang="it-IT" smtClean="0"/>
-              <a:t>07/11/2015</a:t>
+              <a:t>08/11/2015</a:t>
             </a:fld>
             <a:endParaRPr lang="it-IT"/>
           </a:p>
@@ -2734,7 +2734,7 @@
           <a:p>
             <a:fld id="{9E7381E1-6F39-460D-9A29-C142A3D07203}" type="datetimeFigureOut">
               <a:rPr lang="it-IT" smtClean="0"/>
-              <a:t>07/11/2015</a:t>
+              <a:t>08/11/2015</a:t>
             </a:fld>
             <a:endParaRPr lang="it-IT"/>
           </a:p>
@@ -4743,7 +4743,7 @@
                                         <p:tgtEl>
                                           <p:spTgt spid="3">
                                             <p:txEl>
-                                              <p:pRg st="2" end="2"/>
+                                              <p:pRg st="1" end="1"/>
                                             </p:txEl>
                                           </p:spTgt>
                                         </p:tgtEl>
@@ -4761,7 +4761,7 @@
                                         <p:tgtEl>
                                           <p:spTgt spid="3">
                                             <p:txEl>
-                                              <p:pRg st="2" end="2"/>
+                                              <p:pRg st="1" end="1"/>
                                             </p:txEl>
                                           </p:spTgt>
                                         </p:tgtEl>
@@ -4804,7 +4804,7 @@
                                         <p:tgtEl>
                                           <p:spTgt spid="3">
                                             <p:txEl>
-                                              <p:pRg st="3" end="3"/>
+                                              <p:pRg st="2" end="2"/>
                                             </p:txEl>
                                           </p:spTgt>
                                         </p:tgtEl>
@@ -4822,7 +4822,7 @@
                                         <p:tgtEl>
                                           <p:spTgt spid="3">
                                             <p:txEl>
-                                              <p:pRg st="3" end="3"/>
+                                              <p:pRg st="2" end="2"/>
                                             </p:txEl>
                                           </p:spTgt>
                                         </p:tgtEl>
@@ -4865,7 +4865,7 @@
                                         <p:tgtEl>
                                           <p:spTgt spid="3">
                                             <p:txEl>
-                                              <p:pRg st="4" end="4"/>
+                                              <p:pRg st="3" end="3"/>
                                             </p:txEl>
                                           </p:spTgt>
                                         </p:tgtEl>
@@ -4880,6 +4880,67 @@
                                     <p:animEffect transition="in" filter="fade">
                                       <p:cBhvr>
                                         <p:cTn id="24" dur="500"/>
+                                        <p:tgtEl>
+                                          <p:spTgt spid="3">
+                                            <p:txEl>
+                                              <p:pRg st="3" end="3"/>
+                                            </p:txEl>
+                                          </p:spTgt>
+                                        </p:tgtEl>
+                                      </p:cBhvr>
+                                    </p:animEffect>
+                                  </p:childTnLst>
+                                </p:cTn>
+                              </p:par>
+                            </p:childTnLst>
+                          </p:cTn>
+                        </p:par>
+                      </p:childTnLst>
+                    </p:cTn>
+                  </p:par>
+                  <p:par>
+                    <p:cTn id="25" fill="hold">
+                      <p:stCondLst>
+                        <p:cond delay="indefinite"/>
+                      </p:stCondLst>
+                      <p:childTnLst>
+                        <p:par>
+                          <p:cTn id="26" fill="hold">
+                            <p:stCondLst>
+                              <p:cond delay="0"/>
+                            </p:stCondLst>
+                            <p:childTnLst>
+                              <p:par>
+                                <p:cTn id="27" presetID="10" presetClass="entr" presetSubtype="0" fill="hold" nodeType="clickEffect">
+                                  <p:stCondLst>
+                                    <p:cond delay="0"/>
+                                  </p:stCondLst>
+                                  <p:childTnLst>
+                                    <p:set>
+                                      <p:cBhvr>
+                                        <p:cTn id="28" dur="1" fill="hold">
+                                          <p:stCondLst>
+                                            <p:cond delay="0"/>
+                                          </p:stCondLst>
+                                        </p:cTn>
+                                        <p:tgtEl>
+                                          <p:spTgt spid="3">
+                                            <p:txEl>
+                                              <p:pRg st="4" end="4"/>
+                                            </p:txEl>
+                                          </p:spTgt>
+                                        </p:tgtEl>
+                                        <p:attrNameLst>
+                                          <p:attrName>style.visibility</p:attrName>
+                                        </p:attrNameLst>
+                                      </p:cBhvr>
+                                      <p:to>
+                                        <p:strVal val="visible"/>
+                                      </p:to>
+                                    </p:set>
+                                    <p:animEffect transition="in" filter="fade">
+                                      <p:cBhvr>
+                                        <p:cTn id="29" dur="500"/>
                                         <p:tgtEl>
                                           <p:spTgt spid="3">
                                             <p:txEl>

--- a/OtherStuff/Presentation/assumptions + definitions + overall description.pptx
+++ b/OtherStuff/Presentation/assumptions + definitions + overall description.pptx
@@ -20,6 +20,7 @@
     <p:sldId id="268" r:id="rId14"/>
     <p:sldId id="269" r:id="rId15"/>
     <p:sldId id="270" r:id="rId16"/>
+    <p:sldId id="271" r:id="rId17"/>
   </p:sldIdLst>
   <p:sldSz cx="9144000" cy="6858000" type="screen4x3"/>
   <p:notesSz cx="6858000" cy="9144000"/>
@@ -118,6 +119,22 @@
       </a:defRPr>
     </a:lvl9pPr>
   </p:defaultTextStyle>
+  <p:extLst>
+    <p:ext uri="{EFAFB233-063F-42B5-8137-9DF3F51BA10A}">
+      <p15:sldGuideLst xmlns:p15="http://schemas.microsoft.com/office/powerpoint/2012/main">
+        <p15:guide id="1" orient="horz" pos="2160">
+          <p15:clr>
+            <a:srgbClr val="A4A3A4"/>
+          </p15:clr>
+        </p15:guide>
+        <p15:guide id="2" pos="2880">
+          <p15:clr>
+            <a:srgbClr val="A4A3A4"/>
+          </p15:clr>
+        </p15:guide>
+      </p15:sldGuideLst>
+    </p:ext>
+  </p:extLst>
 </p:presentation>
 </file>
 
@@ -302,7 +319,7 @@
           <a:p>
             <a:fld id="{9E7381E1-6F39-460D-9A29-C142A3D07203}" type="datetimeFigureOut">
               <a:rPr lang="it-IT" smtClean="0"/>
-              <a:t>08/11/2015</a:t>
+              <a:t>09/11/2015</a:t>
             </a:fld>
             <a:endParaRPr lang="it-IT"/>
           </a:p>
@@ -472,7 +489,7 @@
           <a:p>
             <a:fld id="{9E7381E1-6F39-460D-9A29-C142A3D07203}" type="datetimeFigureOut">
               <a:rPr lang="it-IT" smtClean="0"/>
-              <a:t>08/11/2015</a:t>
+              <a:t>09/11/2015</a:t>
             </a:fld>
             <a:endParaRPr lang="it-IT"/>
           </a:p>
@@ -652,7 +669,7 @@
           <a:p>
             <a:fld id="{9E7381E1-6F39-460D-9A29-C142A3D07203}" type="datetimeFigureOut">
               <a:rPr lang="it-IT" smtClean="0"/>
-              <a:t>08/11/2015</a:t>
+              <a:t>09/11/2015</a:t>
             </a:fld>
             <a:endParaRPr lang="it-IT"/>
           </a:p>
@@ -822,7 +839,7 @@
           <a:p>
             <a:fld id="{9E7381E1-6F39-460D-9A29-C142A3D07203}" type="datetimeFigureOut">
               <a:rPr lang="it-IT" smtClean="0"/>
-              <a:t>08/11/2015</a:t>
+              <a:t>09/11/2015</a:t>
             </a:fld>
             <a:endParaRPr lang="it-IT"/>
           </a:p>
@@ -1068,7 +1085,7 @@
           <a:p>
             <a:fld id="{9E7381E1-6F39-460D-9A29-C142A3D07203}" type="datetimeFigureOut">
               <a:rPr lang="it-IT" smtClean="0"/>
-              <a:t>08/11/2015</a:t>
+              <a:t>09/11/2015</a:t>
             </a:fld>
             <a:endParaRPr lang="it-IT"/>
           </a:p>
@@ -1356,7 +1373,7 @@
           <a:p>
             <a:fld id="{9E7381E1-6F39-460D-9A29-C142A3D07203}" type="datetimeFigureOut">
               <a:rPr lang="it-IT" smtClean="0"/>
-              <a:t>08/11/2015</a:t>
+              <a:t>09/11/2015</a:t>
             </a:fld>
             <a:endParaRPr lang="it-IT"/>
           </a:p>
@@ -1778,7 +1795,7 @@
           <a:p>
             <a:fld id="{9E7381E1-6F39-460D-9A29-C142A3D07203}" type="datetimeFigureOut">
               <a:rPr lang="it-IT" smtClean="0"/>
-              <a:t>08/11/2015</a:t>
+              <a:t>09/11/2015</a:t>
             </a:fld>
             <a:endParaRPr lang="it-IT"/>
           </a:p>
@@ -1896,7 +1913,7 @@
           <a:p>
             <a:fld id="{9E7381E1-6F39-460D-9A29-C142A3D07203}" type="datetimeFigureOut">
               <a:rPr lang="it-IT" smtClean="0"/>
-              <a:t>08/11/2015</a:t>
+              <a:t>09/11/2015</a:t>
             </a:fld>
             <a:endParaRPr lang="it-IT"/>
           </a:p>
@@ -1991,7 +2008,7 @@
           <a:p>
             <a:fld id="{9E7381E1-6F39-460D-9A29-C142A3D07203}" type="datetimeFigureOut">
               <a:rPr lang="it-IT" smtClean="0"/>
-              <a:t>08/11/2015</a:t>
+              <a:t>09/11/2015</a:t>
             </a:fld>
             <a:endParaRPr lang="it-IT"/>
           </a:p>
@@ -2268,7 +2285,7 @@
           <a:p>
             <a:fld id="{9E7381E1-6F39-460D-9A29-C142A3D07203}" type="datetimeFigureOut">
               <a:rPr lang="it-IT" smtClean="0"/>
-              <a:t>08/11/2015</a:t>
+              <a:t>09/11/2015</a:t>
             </a:fld>
             <a:endParaRPr lang="it-IT"/>
           </a:p>
@@ -2521,7 +2538,7 @@
           <a:p>
             <a:fld id="{9E7381E1-6F39-460D-9A29-C142A3D07203}" type="datetimeFigureOut">
               <a:rPr lang="it-IT" smtClean="0"/>
-              <a:t>08/11/2015</a:t>
+              <a:t>09/11/2015</a:t>
             </a:fld>
             <a:endParaRPr lang="it-IT"/>
           </a:p>
@@ -2734,7 +2751,7 @@
           <a:p>
             <a:fld id="{9E7381E1-6F39-460D-9A29-C142A3D07203}" type="datetimeFigureOut">
               <a:rPr lang="it-IT" smtClean="0"/>
-              <a:t>08/11/2015</a:t>
+              <a:t>09/11/2015</a:t>
             </a:fld>
             <a:endParaRPr lang="it-IT"/>
           </a:p>
@@ -3111,25 +3128,6 @@
       </p:grpSpPr>
       <p:sp>
         <p:nvSpPr>
-          <p:cNvPr id="2" name="Titolo 1"/>
-          <p:cNvSpPr>
-            <a:spLocks noGrp="1"/>
-          </p:cNvSpPr>
-          <p:nvPr>
-            <p:ph type="ctrTitle"/>
-          </p:nvPr>
-        </p:nvSpPr>
-        <p:spPr/>
-        <p:txBody>
-          <a:bodyPr/>
-          <a:lstStyle/>
-          <a:p>
-            <a:endParaRPr lang="it-IT" dirty="0"/>
-          </a:p>
-        </p:txBody>
-      </p:sp>
-      <p:sp>
-        <p:nvSpPr>
           <p:cNvPr id="3" name="Sottotitolo 2"/>
           <p:cNvSpPr>
             <a:spLocks noGrp="1"/>
@@ -3138,15 +3136,187 @@
             <p:ph type="subTitle" idx="1"/>
           </p:nvPr>
         </p:nvSpPr>
-        <p:spPr/>
+        <p:spPr>
+          <a:xfrm>
+            <a:off x="1119572" y="3429000"/>
+            <a:ext cx="7268852" cy="2736304"/>
+          </a:xfrm>
+        </p:spPr>
         <p:txBody>
-          <a:bodyPr/>
+          <a:bodyPr>
+            <a:normAutofit/>
+          </a:bodyPr>
           <a:lstStyle/>
           <a:p>
-            <a:endParaRPr lang="it-IT" dirty="0"/>
+            <a:r>
+              <a:rPr lang="it-IT" sz="2100" b="1" dirty="0">
+                <a:solidFill>
+                  <a:schemeClr val="tx1"/>
+                </a:solidFill>
+              </a:rPr>
+              <a:t>Politecnico di Milano</a:t>
+            </a:r>
+            <a:endParaRPr lang="en-US" sz="2100" b="1" dirty="0">
+              <a:solidFill>
+                <a:schemeClr val="tx1"/>
+              </a:solidFill>
+            </a:endParaRPr>
+          </a:p>
+          <a:p>
+            <a:r>
+              <a:rPr lang="it-IT" sz="2100" b="1" dirty="0">
+                <a:solidFill>
+                  <a:schemeClr val="tx1"/>
+                </a:solidFill>
+              </a:rPr>
+              <a:t>A.A. 2015-2016</a:t>
+            </a:r>
+            <a:endParaRPr lang="en-US" sz="2100" b="1" dirty="0">
+              <a:solidFill>
+                <a:schemeClr val="tx1"/>
+              </a:solidFill>
+            </a:endParaRPr>
+          </a:p>
+          <a:p>
+            <a:r>
+              <a:rPr lang="en-US" sz="2100" b="1" dirty="0">
+                <a:solidFill>
+                  <a:schemeClr val="tx1"/>
+                </a:solidFill>
+              </a:rPr>
+              <a:t>Software Engineering 2 project: </a:t>
+            </a:r>
+            <a:r>
+              <a:rPr lang="en-US" sz="2100" b="1" dirty="0" err="1">
+                <a:solidFill>
+                  <a:schemeClr val="tx1"/>
+                </a:solidFill>
+              </a:rPr>
+              <a:t>MyTaxiService</a:t>
+            </a:r>
+            <a:endParaRPr lang="en-US" sz="2100" b="1" dirty="0">
+              <a:solidFill>
+                <a:schemeClr val="tx1"/>
+              </a:solidFill>
+            </a:endParaRPr>
+          </a:p>
+          <a:p>
+            <a:r>
+              <a:rPr lang="en-US" sz="2100" b="1" dirty="0">
+                <a:solidFill>
+                  <a:schemeClr val="tx1"/>
+                </a:solidFill>
+              </a:rPr>
+              <a:t>RASD</a:t>
+            </a:r>
+          </a:p>
+          <a:p>
+            <a:r>
+              <a:rPr lang="en-US" sz="2100" b="1" dirty="0">
+                <a:solidFill>
+                  <a:schemeClr val="tx1"/>
+                </a:solidFill>
+              </a:rPr>
+              <a:t>(Requirements Analysis and Specification Document)</a:t>
+            </a:r>
+          </a:p>
+          <a:p>
+            <a:r>
+              <a:rPr lang="en-US" sz="2100" b="1" dirty="0"/>
+              <a:t> </a:t>
+            </a:r>
+            <a:endParaRPr lang="en-US" sz="2100" dirty="0"/>
+          </a:p>
+          <a:p>
+            <a:r>
+              <a:rPr lang="it-IT" sz="2100" i="1" dirty="0">
+                <a:solidFill>
+                  <a:schemeClr val="tx1"/>
+                </a:solidFill>
+              </a:rPr>
+              <a:t>Alessandro Pozzi (</a:t>
+            </a:r>
+            <a:r>
+              <a:rPr lang="it-IT" sz="2100" i="1" dirty="0" err="1">
+                <a:solidFill>
+                  <a:schemeClr val="tx1"/>
+                </a:solidFill>
+              </a:rPr>
+              <a:t>mat</a:t>
+            </a:r>
+            <a:r>
+              <a:rPr lang="it-IT" sz="2100" i="1" dirty="0">
+                <a:solidFill>
+                  <a:schemeClr val="tx1"/>
+                </a:solidFill>
+              </a:rPr>
+              <a:t>. 852358), Marco Romani (</a:t>
+            </a:r>
+            <a:r>
+              <a:rPr lang="it-IT" sz="2100" i="1" dirty="0" err="1">
+                <a:solidFill>
+                  <a:schemeClr val="tx1"/>
+                </a:solidFill>
+              </a:rPr>
+              <a:t>mat</a:t>
+            </a:r>
+            <a:r>
+              <a:rPr lang="it-IT" sz="2100" i="1" dirty="0">
+                <a:solidFill>
+                  <a:schemeClr val="tx1"/>
+                </a:solidFill>
+              </a:rPr>
+              <a:t>. 852361</a:t>
+            </a:r>
+            <a:r>
+              <a:rPr lang="it-IT" sz="2100" i="1" dirty="0" smtClean="0">
+                <a:solidFill>
+                  <a:schemeClr val="tx1"/>
+                </a:solidFill>
+              </a:rPr>
+              <a:t>)</a:t>
+            </a:r>
+            <a:endParaRPr lang="en-US" sz="2100" i="1" dirty="0">
+              <a:solidFill>
+                <a:schemeClr val="tx1"/>
+              </a:solidFill>
+            </a:endParaRPr>
           </a:p>
         </p:txBody>
       </p:sp>
+      <p:pic>
+        <p:nvPicPr>
+          <p:cNvPr id="4" name="Immagine 3" descr="http://www.grep.it/downloads/Loghi/logo-polimi.png"/>
+          <p:cNvPicPr/>
+          <p:nvPr/>
+        </p:nvPicPr>
+        <p:blipFill>
+          <a:blip r:embed="rId2" cstate="print">
+            <a:extLst>
+              <a:ext uri="{28A0092B-C50C-407E-A947-70E740481C1C}">
+                <a14:useLocalDpi xmlns:a14="http://schemas.microsoft.com/office/drawing/2010/main" val="0"/>
+              </a:ext>
+            </a:extLst>
+          </a:blip>
+          <a:srcRect/>
+          <a:stretch>
+            <a:fillRect/>
+          </a:stretch>
+        </p:blipFill>
+        <p:spPr bwMode="auto">
+          <a:xfrm>
+            <a:off x="3349842" y="476672"/>
+            <a:ext cx="2808312" cy="2808312"/>
+          </a:xfrm>
+          <a:prstGeom prst="rect">
+            <a:avLst/>
+          </a:prstGeom>
+          <a:noFill/>
+          <a:ln>
+            <a:noFill/>
+          </a:ln>
+        </p:spPr>
+      </p:pic>
     </p:spTree>
     <p:extLst>
       <p:ext uri="{BB962C8B-B14F-4D97-AF65-F5344CB8AC3E}">
@@ -3781,7 +3951,7 @@
                                         <p:tgtEl>
                                           <p:spTgt spid="3">
                                             <p:txEl>
-                                              <p:pRg st="1" end="1"/>
+                                              <p:pRg st="2" end="2"/>
                                             </p:txEl>
                                           </p:spTgt>
                                         </p:tgtEl>
@@ -3799,7 +3969,7 @@
                                         <p:tgtEl>
                                           <p:spTgt spid="3">
                                             <p:txEl>
-                                              <p:pRg st="1" end="1"/>
+                                              <p:pRg st="2" end="2"/>
                                             </p:txEl>
                                           </p:spTgt>
                                         </p:tgtEl>
@@ -3842,7 +4012,7 @@
                                         <p:tgtEl>
                                           <p:spTgt spid="3">
                                             <p:txEl>
-                                              <p:pRg st="2" end="2"/>
+                                              <p:pRg st="4" end="4"/>
                                             </p:txEl>
                                           </p:spTgt>
                                         </p:tgtEl>
@@ -3857,67 +4027,6 @@
                                     <p:animEffect transition="in" filter="fade">
                                       <p:cBhvr>
                                         <p:cTn id="17" dur="500"/>
-                                        <p:tgtEl>
-                                          <p:spTgt spid="3">
-                                            <p:txEl>
-                                              <p:pRg st="2" end="2"/>
-                                            </p:txEl>
-                                          </p:spTgt>
-                                        </p:tgtEl>
-                                      </p:cBhvr>
-                                    </p:animEffect>
-                                  </p:childTnLst>
-                                </p:cTn>
-                              </p:par>
-                            </p:childTnLst>
-                          </p:cTn>
-                        </p:par>
-                      </p:childTnLst>
-                    </p:cTn>
-                  </p:par>
-                  <p:par>
-                    <p:cTn id="18" fill="hold">
-                      <p:stCondLst>
-                        <p:cond delay="indefinite"/>
-                      </p:stCondLst>
-                      <p:childTnLst>
-                        <p:par>
-                          <p:cTn id="19" fill="hold">
-                            <p:stCondLst>
-                              <p:cond delay="0"/>
-                            </p:stCondLst>
-                            <p:childTnLst>
-                              <p:par>
-                                <p:cTn id="20" presetID="10" presetClass="entr" presetSubtype="0" fill="hold" nodeType="clickEffect">
-                                  <p:stCondLst>
-                                    <p:cond delay="0"/>
-                                  </p:stCondLst>
-                                  <p:childTnLst>
-                                    <p:set>
-                                      <p:cBhvr>
-                                        <p:cTn id="21" dur="1" fill="hold">
-                                          <p:stCondLst>
-                                            <p:cond delay="0"/>
-                                          </p:stCondLst>
-                                        </p:cTn>
-                                        <p:tgtEl>
-                                          <p:spTgt spid="3">
-                                            <p:txEl>
-                                              <p:pRg st="4" end="4"/>
-                                            </p:txEl>
-                                          </p:spTgt>
-                                        </p:tgtEl>
-                                        <p:attrNameLst>
-                                          <p:attrName>style.visibility</p:attrName>
-                                        </p:attrNameLst>
-                                      </p:cBhvr>
-                                      <p:to>
-                                        <p:strVal val="visible"/>
-                                      </p:to>
-                                    </p:set>
-                                    <p:animEffect transition="in" filter="fade">
-                                      <p:cBhvr>
-                                        <p:cTn id="22" dur="500"/>
                                         <p:tgtEl>
                                           <p:spTgt spid="3">
                                             <p:txEl>
@@ -5492,7 +5601,7 @@
         <p:spPr/>
         <p:txBody>
           <a:bodyPr>
-            <a:normAutofit fontScale="92500" lnSpcReduction="20000"/>
+            <a:normAutofit lnSpcReduction="10000"/>
           </a:bodyPr>
           <a:lstStyle/>
           <a:p>
@@ -5569,27 +5678,6 @@
               </a:rPr>
               <a:t>The implementation of a SMS system, which allows users to request or reserve a ride by sending a SMS. SMS syntax rules may be available online or may be sent by request with a SMS. This function may extend the service to those who does not have always access to an internet connection, like tourists. </a:t>
             </a:r>
-          </a:p>
-          <a:p>
-            <a:pPr marL="514350" indent="-514350">
-              <a:buFont typeface="+mj-lt"/>
-              <a:buAutoNum type="arabicPeriod"/>
-            </a:pPr>
-            <a:r>
-              <a:rPr lang="en-US" sz="2600" dirty="0" smtClean="0">
-                <a:latin typeface="Georgia" panose="02040502050405020303" pitchFamily="18" charset="0"/>
-              </a:rPr>
-              <a:t> </a:t>
-            </a:r>
-            <a:r>
-              <a:rPr lang="en-US" sz="2600" dirty="0">
-                <a:latin typeface="Georgia" panose="02040502050405020303" pitchFamily="18" charset="0"/>
-              </a:rPr>
-              <a:t>A function that estimates how much time a ride will take and how much it will cost. This function may be accessible even without requesting a ride. </a:t>
-            </a:r>
-            <a:endParaRPr lang="it-IT" sz="2600" dirty="0">
-              <a:latin typeface="Georgia" panose="02040502050405020303" pitchFamily="18" charset="0"/>
-            </a:endParaRPr>
           </a:p>
         </p:txBody>
       </p:sp>
@@ -5848,27 +5936,190 @@
                       </p:childTnLst>
                     </p:cTn>
                   </p:par>
+                </p:childTnLst>
+              </p:cTn>
+              <p:prevCondLst>
+                <p:cond evt="onPrev" delay="0">
+                  <p:tgtEl>
+                    <p:sldTgt/>
+                  </p:tgtEl>
+                </p:cond>
+              </p:prevCondLst>
+              <p:nextCondLst>
+                <p:cond evt="onNext" delay="0">
+                  <p:tgtEl>
+                    <p:sldTgt/>
+                  </p:tgtEl>
+                </p:cond>
+              </p:nextCondLst>
+            </p:seq>
+          </p:childTnLst>
+        </p:cTn>
+      </p:par>
+    </p:tnLst>
+  </p:timing>
+</p:sld>
+</file>
+
+<file path=ppt/slides/slide16.xml><?xml version="1.0" encoding="utf-8"?>
+<p:sld xmlns:a="http://schemas.openxmlformats.org/drawingml/2006/main" xmlns:r="http://schemas.openxmlformats.org/officeDocument/2006/relationships" xmlns:p="http://schemas.openxmlformats.org/presentationml/2006/main">
+  <p:cSld>
+    <p:spTree>
+      <p:nvGrpSpPr>
+        <p:cNvPr id="1" name=""/>
+        <p:cNvGrpSpPr/>
+        <p:nvPr/>
+      </p:nvGrpSpPr>
+      <p:grpSpPr>
+        <a:xfrm>
+          <a:off x="0" y="0"/>
+          <a:ext cx="0" cy="0"/>
+          <a:chOff x="0" y="0"/>
+          <a:chExt cx="0" cy="0"/>
+        </a:xfrm>
+      </p:grpSpPr>
+      <p:sp>
+        <p:nvSpPr>
+          <p:cNvPr id="2" name="Titolo 1"/>
+          <p:cNvSpPr>
+            <a:spLocks noGrp="1"/>
+          </p:cNvSpPr>
+          <p:nvPr>
+            <p:ph type="title"/>
+          </p:nvPr>
+        </p:nvSpPr>
+        <p:spPr/>
+        <p:txBody>
+          <a:bodyPr/>
+          <a:lstStyle/>
+          <a:p>
+            <a:r>
+              <a:rPr lang="it-IT" dirty="0" err="1">
+                <a:latin typeface="Georgia" panose="02040502050405020303" pitchFamily="18" charset="0"/>
+              </a:rPr>
+              <a:t>Overall</a:t>
+            </a:r>
+            <a:r>
+              <a:rPr lang="it-IT" dirty="0">
+                <a:latin typeface="Georgia" panose="02040502050405020303" pitchFamily="18" charset="0"/>
+              </a:rPr>
+              <a:t> </a:t>
+            </a:r>
+            <a:r>
+              <a:rPr lang="it-IT" dirty="0" err="1">
+                <a:latin typeface="Georgia" panose="02040502050405020303" pitchFamily="18" charset="0"/>
+              </a:rPr>
+              <a:t>Description</a:t>
+            </a:r>
+            <a:endParaRPr lang="en-US" dirty="0"/>
+          </a:p>
+        </p:txBody>
+      </p:sp>
+      <p:sp>
+        <p:nvSpPr>
+          <p:cNvPr id="3" name="Segnaposto contenuto 2"/>
+          <p:cNvSpPr>
+            <a:spLocks noGrp="1"/>
+          </p:cNvSpPr>
+          <p:nvPr>
+            <p:ph idx="1"/>
+          </p:nvPr>
+        </p:nvSpPr>
+        <p:spPr/>
+        <p:txBody>
+          <a:bodyPr>
+            <a:normAutofit fontScale="92500" lnSpcReduction="10000"/>
+          </a:bodyPr>
+          <a:lstStyle/>
+          <a:p>
+            <a:pPr marL="514350" indent="-514350">
+              <a:buFont typeface="+mj-lt"/>
+              <a:buAutoNum type="arabicPeriod" startAt="3"/>
+            </a:pPr>
+            <a:r>
+              <a:rPr lang="en-US" dirty="0">
+                <a:latin typeface="Georgia" panose="02040502050405020303" pitchFamily="18" charset="0"/>
+              </a:rPr>
+              <a:t> A function that estimates how much time a ride will take and how much it will cost. This function may be accessible even without requesting a ride. </a:t>
+            </a:r>
+            <a:endParaRPr lang="it-IT" dirty="0">
+              <a:latin typeface="Georgia" panose="02040502050405020303" pitchFamily="18" charset="0"/>
+            </a:endParaRPr>
+          </a:p>
+          <a:p>
+            <a:pPr marL="514350" lvl="0" indent="-514350">
+              <a:buFont typeface="+mj-lt"/>
+              <a:buAutoNum type="arabicPeriod" startAt="3"/>
+            </a:pPr>
+            <a:r>
+              <a:rPr lang="en-US" dirty="0" smtClean="0">
+                <a:latin typeface="Georgia" panose="02040502050405020303" pitchFamily="18" charset="0"/>
+              </a:rPr>
+              <a:t>An </a:t>
+            </a:r>
+            <a:r>
+              <a:rPr lang="en-US" dirty="0">
+                <a:latin typeface="Georgia" panose="02040502050405020303" pitchFamily="18" charset="0"/>
+              </a:rPr>
+              <a:t>improved taxi management system, which redistributes available taxis moving them from high density areas to low density areas. </a:t>
+            </a:r>
+          </a:p>
+          <a:p>
+            <a:pPr marL="514350" lvl="0" indent="-514350">
+              <a:buFont typeface="+mj-lt"/>
+              <a:buAutoNum type="arabicPeriod" startAt="3"/>
+            </a:pPr>
+            <a:r>
+              <a:rPr lang="en-US" dirty="0">
+                <a:latin typeface="Georgia" panose="02040502050405020303" pitchFamily="18" charset="0"/>
+              </a:rPr>
+              <a:t>The possibility to show the GPS position of the customer’s taxi on an interactive map.</a:t>
+            </a:r>
+          </a:p>
+          <a:p>
+            <a:endParaRPr lang="en-US" dirty="0"/>
+          </a:p>
+        </p:txBody>
+      </p:sp>
+    </p:spTree>
+    <p:extLst>
+      <p:ext uri="{BB962C8B-B14F-4D97-AF65-F5344CB8AC3E}">
+        <p14:creationId xmlns:p14="http://schemas.microsoft.com/office/powerpoint/2010/main" val="2500155287"/>
+      </p:ext>
+    </p:extLst>
+  </p:cSld>
+  <p:clrMapOvr>
+    <a:masterClrMapping/>
+  </p:clrMapOvr>
+  <p:timing>
+    <p:tnLst>
+      <p:par>
+        <p:cTn id="1" dur="indefinite" restart="never" nodeType="tmRoot">
+          <p:childTnLst>
+            <p:seq concurrent="1" nextAc="seek">
+              <p:cTn id="2" dur="indefinite" nodeType="mainSeq">
+                <p:childTnLst>
                   <p:par>
-                    <p:cTn id="20" fill="hold">
+                    <p:cTn id="3" fill="hold">
                       <p:stCondLst>
                         <p:cond delay="indefinite"/>
                       </p:stCondLst>
                       <p:childTnLst>
                         <p:par>
-                          <p:cTn id="21" fill="hold">
+                          <p:cTn id="4" fill="hold">
                             <p:stCondLst>
                               <p:cond delay="0"/>
                             </p:stCondLst>
                             <p:childTnLst>
                               <p:par>
-                                <p:cTn id="22" presetID="10" presetClass="entr" presetSubtype="0" fill="hold" nodeType="clickEffect">
+                                <p:cTn id="5" presetID="10" presetClass="entr" presetSubtype="0" fill="hold" grpId="0" nodeType="clickEffect">
                                   <p:stCondLst>
                                     <p:cond delay="0"/>
                                   </p:stCondLst>
                                   <p:childTnLst>
                                     <p:set>
                                       <p:cBhvr>
-                                        <p:cTn id="23" dur="1" fill="hold">
+                                        <p:cTn id="6" dur="1" fill="hold">
                                           <p:stCondLst>
                                             <p:cond delay="0"/>
                                           </p:stCondLst>
@@ -5876,7 +6127,7 @@
                                         <p:tgtEl>
                                           <p:spTgt spid="3">
                                             <p:txEl>
-                                              <p:pRg st="3" end="3"/>
+                                              <p:pRg st="0" end="0"/>
                                             </p:txEl>
                                           </p:spTgt>
                                         </p:tgtEl>
@@ -5890,11 +6141,133 @@
                                     </p:set>
                                     <p:animEffect transition="in" filter="fade">
                                       <p:cBhvr>
-                                        <p:cTn id="24" dur="500"/>
+                                        <p:cTn id="7" dur="500"/>
                                         <p:tgtEl>
                                           <p:spTgt spid="3">
                                             <p:txEl>
-                                              <p:pRg st="3" end="3"/>
+                                              <p:pRg st="0" end="0"/>
+                                            </p:txEl>
+                                          </p:spTgt>
+                                        </p:tgtEl>
+                                      </p:cBhvr>
+                                    </p:animEffect>
+                                  </p:childTnLst>
+                                </p:cTn>
+                              </p:par>
+                            </p:childTnLst>
+                          </p:cTn>
+                        </p:par>
+                      </p:childTnLst>
+                    </p:cTn>
+                  </p:par>
+                  <p:par>
+                    <p:cTn id="8" fill="hold">
+                      <p:stCondLst>
+                        <p:cond delay="indefinite"/>
+                      </p:stCondLst>
+                      <p:childTnLst>
+                        <p:par>
+                          <p:cTn id="9" fill="hold">
+                            <p:stCondLst>
+                              <p:cond delay="0"/>
+                            </p:stCondLst>
+                            <p:childTnLst>
+                              <p:par>
+                                <p:cTn id="10" presetID="10" presetClass="entr" presetSubtype="0" fill="hold" grpId="0" nodeType="clickEffect">
+                                  <p:stCondLst>
+                                    <p:cond delay="0"/>
+                                  </p:stCondLst>
+                                  <p:childTnLst>
+                                    <p:set>
+                                      <p:cBhvr>
+                                        <p:cTn id="11" dur="1" fill="hold">
+                                          <p:stCondLst>
+                                            <p:cond delay="0"/>
+                                          </p:stCondLst>
+                                        </p:cTn>
+                                        <p:tgtEl>
+                                          <p:spTgt spid="3">
+                                            <p:txEl>
+                                              <p:pRg st="1" end="1"/>
+                                            </p:txEl>
+                                          </p:spTgt>
+                                        </p:tgtEl>
+                                        <p:attrNameLst>
+                                          <p:attrName>style.visibility</p:attrName>
+                                        </p:attrNameLst>
+                                      </p:cBhvr>
+                                      <p:to>
+                                        <p:strVal val="visible"/>
+                                      </p:to>
+                                    </p:set>
+                                    <p:animEffect transition="in" filter="fade">
+                                      <p:cBhvr>
+                                        <p:cTn id="12" dur="500"/>
+                                        <p:tgtEl>
+                                          <p:spTgt spid="3">
+                                            <p:txEl>
+                                              <p:pRg st="1" end="1"/>
+                                            </p:txEl>
+                                          </p:spTgt>
+                                        </p:tgtEl>
+                                      </p:cBhvr>
+                                    </p:animEffect>
+                                  </p:childTnLst>
+                                </p:cTn>
+                              </p:par>
+                            </p:childTnLst>
+                          </p:cTn>
+                        </p:par>
+                      </p:childTnLst>
+                    </p:cTn>
+                  </p:par>
+                  <p:par>
+                    <p:cTn id="13" fill="hold">
+                      <p:stCondLst>
+                        <p:cond delay="indefinite"/>
+                      </p:stCondLst>
+                      <p:childTnLst>
+                        <p:par>
+                          <p:cTn id="14" fill="hold">
+                            <p:stCondLst>
+                              <p:cond delay="0"/>
+                            </p:stCondLst>
+                            <p:childTnLst>
+                              <p:par>
+                                <p:cTn id="15" presetID="10" presetClass="entr" presetSubtype="0" fill="hold" grpId="0" nodeType="clickEffect">
+                                  <p:stCondLst>
+                                    <p:cond delay="0"/>
+                                  </p:stCondLst>
+                                  <p:childTnLst>
+                                    <p:set>
+                                      <p:cBhvr>
+                                        <p:cTn id="16" dur="1" fill="hold">
+                                          <p:stCondLst>
+                                            <p:cond delay="0"/>
+                                          </p:stCondLst>
+                                        </p:cTn>
+                                        <p:tgtEl>
+                                          <p:spTgt spid="3">
+                                            <p:txEl>
+                                              <p:pRg st="2" end="2"/>
+                                            </p:txEl>
+                                          </p:spTgt>
+                                        </p:tgtEl>
+                                        <p:attrNameLst>
+                                          <p:attrName>style.visibility</p:attrName>
+                                        </p:attrNameLst>
+                                      </p:cBhvr>
+                                      <p:to>
+                                        <p:strVal val="visible"/>
+                                      </p:to>
+                                    </p:set>
+                                    <p:animEffect transition="in" filter="fade">
+                                      <p:cBhvr>
+                                        <p:cTn id="17" dur="500"/>
+                                        <p:tgtEl>
+                                          <p:spTgt spid="3">
+                                            <p:txEl>
+                                              <p:pRg st="2" end="2"/>
                                             </p:txEl>
                                           </p:spTgt>
                                         </p:tgtEl>
@@ -5930,6 +6303,9 @@
         </p:cTn>
       </p:par>
     </p:tnLst>
+    <p:bldLst>
+      <p:bldP spid="3" grpId="0" build="p"/>
+    </p:bldLst>
   </p:timing>
 </p:sld>
 </file>

--- a/OtherStuff/Presentation/assumptions + definitions + overall description.pptx
+++ b/OtherStuff/Presentation/assumptions + definitions + overall description.pptx
@@ -121,7 +121,7 @@
   </p:defaultTextStyle>
   <p:extLst>
     <p:ext uri="{EFAFB233-063F-42B5-8137-9DF3F51BA10A}">
-      <p15:sldGuideLst xmlns:p15="http://schemas.microsoft.com/office/powerpoint/2012/main">
+      <p15:sldGuideLst xmlns:p15="http://schemas.microsoft.com/office/powerpoint/2012/main" xmlns="">
         <p15:guide id="1" orient="horz" pos="2160">
           <p15:clr>
             <a:srgbClr val="A4A3A4"/>
@@ -319,7 +319,7 @@
           <a:p>
             <a:fld id="{9E7381E1-6F39-460D-9A29-C142A3D07203}" type="datetimeFigureOut">
               <a:rPr lang="it-IT" smtClean="0"/>
-              <a:t>09/11/2015</a:t>
+              <a:t>10/11/2015</a:t>
             </a:fld>
             <a:endParaRPr lang="it-IT"/>
           </a:p>
@@ -489,7 +489,7 @@
           <a:p>
             <a:fld id="{9E7381E1-6F39-460D-9A29-C142A3D07203}" type="datetimeFigureOut">
               <a:rPr lang="it-IT" smtClean="0"/>
-              <a:t>09/11/2015</a:t>
+              <a:t>10/11/2015</a:t>
             </a:fld>
             <a:endParaRPr lang="it-IT"/>
           </a:p>
@@ -669,7 +669,7 @@
           <a:p>
             <a:fld id="{9E7381E1-6F39-460D-9A29-C142A3D07203}" type="datetimeFigureOut">
               <a:rPr lang="it-IT" smtClean="0"/>
-              <a:t>09/11/2015</a:t>
+              <a:t>10/11/2015</a:t>
             </a:fld>
             <a:endParaRPr lang="it-IT"/>
           </a:p>
@@ -839,7 +839,7 @@
           <a:p>
             <a:fld id="{9E7381E1-6F39-460D-9A29-C142A3D07203}" type="datetimeFigureOut">
               <a:rPr lang="it-IT" smtClean="0"/>
-              <a:t>09/11/2015</a:t>
+              <a:t>10/11/2015</a:t>
             </a:fld>
             <a:endParaRPr lang="it-IT"/>
           </a:p>
@@ -1085,7 +1085,7 @@
           <a:p>
             <a:fld id="{9E7381E1-6F39-460D-9A29-C142A3D07203}" type="datetimeFigureOut">
               <a:rPr lang="it-IT" smtClean="0"/>
-              <a:t>09/11/2015</a:t>
+              <a:t>10/11/2015</a:t>
             </a:fld>
             <a:endParaRPr lang="it-IT"/>
           </a:p>
@@ -1373,7 +1373,7 @@
           <a:p>
             <a:fld id="{9E7381E1-6F39-460D-9A29-C142A3D07203}" type="datetimeFigureOut">
               <a:rPr lang="it-IT" smtClean="0"/>
-              <a:t>09/11/2015</a:t>
+              <a:t>10/11/2015</a:t>
             </a:fld>
             <a:endParaRPr lang="it-IT"/>
           </a:p>
@@ -1795,7 +1795,7 @@
           <a:p>
             <a:fld id="{9E7381E1-6F39-460D-9A29-C142A3D07203}" type="datetimeFigureOut">
               <a:rPr lang="it-IT" smtClean="0"/>
-              <a:t>09/11/2015</a:t>
+              <a:t>10/11/2015</a:t>
             </a:fld>
             <a:endParaRPr lang="it-IT"/>
           </a:p>
@@ -1913,7 +1913,7 @@
           <a:p>
             <a:fld id="{9E7381E1-6F39-460D-9A29-C142A3D07203}" type="datetimeFigureOut">
               <a:rPr lang="it-IT" smtClean="0"/>
-              <a:t>09/11/2015</a:t>
+              <a:t>10/11/2015</a:t>
             </a:fld>
             <a:endParaRPr lang="it-IT"/>
           </a:p>
@@ -2008,7 +2008,7 @@
           <a:p>
             <a:fld id="{9E7381E1-6F39-460D-9A29-C142A3D07203}" type="datetimeFigureOut">
               <a:rPr lang="it-IT" smtClean="0"/>
-              <a:t>09/11/2015</a:t>
+              <a:t>10/11/2015</a:t>
             </a:fld>
             <a:endParaRPr lang="it-IT"/>
           </a:p>
@@ -2285,7 +2285,7 @@
           <a:p>
             <a:fld id="{9E7381E1-6F39-460D-9A29-C142A3D07203}" type="datetimeFigureOut">
               <a:rPr lang="it-IT" smtClean="0"/>
-              <a:t>09/11/2015</a:t>
+              <a:t>10/11/2015</a:t>
             </a:fld>
             <a:endParaRPr lang="it-IT"/>
           </a:p>
@@ -2538,7 +2538,7 @@
           <a:p>
             <a:fld id="{9E7381E1-6F39-460D-9A29-C142A3D07203}" type="datetimeFigureOut">
               <a:rPr lang="it-IT" smtClean="0"/>
-              <a:t>09/11/2015</a:t>
+              <a:t>10/11/2015</a:t>
             </a:fld>
             <a:endParaRPr lang="it-IT"/>
           </a:p>
@@ -2751,7 +2751,7 @@
           <a:p>
             <a:fld id="{9E7381E1-6F39-460D-9A29-C142A3D07203}" type="datetimeFigureOut">
               <a:rPr lang="it-IT" smtClean="0"/>
-              <a:t>09/11/2015</a:t>
+              <a:t>10/11/2015</a:t>
             </a:fld>
             <a:endParaRPr lang="it-IT"/>
           </a:p>
@@ -3237,12 +3237,20 @@
               <a:t>Alessandro Pozzi (</a:t>
             </a:r>
             <a:r>
-              <a:rPr lang="it-IT" sz="2100" i="1" dirty="0" err="1">
+              <a:rPr lang="it-IT" sz="2100" i="1" dirty="0" err="1" smtClean="0">
                 <a:solidFill>
                   <a:schemeClr val="tx1"/>
                 </a:solidFill>
               </a:rPr>
-              <a:t>mat</a:t>
+              <a:t>matr</a:t>
+            </a:r>
+            <a:r>
+              <a:rPr lang="it-IT" sz="2100" i="1" dirty="0" smtClean="0">
+                <a:solidFill>
+                  <a:schemeClr val="tx1"/>
+                </a:solidFill>
+              </a:rPr>
+              <a:t>. </a:t>
             </a:r>
             <a:r>
               <a:rPr lang="it-IT" sz="2100" i="1" dirty="0">
@@ -3250,15 +3258,23 @@
                   <a:schemeClr val="tx1"/>
                 </a:solidFill>
               </a:rPr>
-              <a:t>. 852358), Marco Romani (</a:t>
-            </a:r>
-            <a:r>
-              <a:rPr lang="it-IT" sz="2100" i="1" dirty="0" err="1">
+              <a:t>852358), Marco Romani (</a:t>
+            </a:r>
+            <a:r>
+              <a:rPr lang="it-IT" sz="2100" i="1" dirty="0" err="1" smtClean="0">
                 <a:solidFill>
                   <a:schemeClr val="tx1"/>
                 </a:solidFill>
               </a:rPr>
-              <a:t>mat</a:t>
+              <a:t>matr</a:t>
+            </a:r>
+            <a:r>
+              <a:rPr lang="it-IT" sz="2100" i="1" dirty="0" smtClean="0">
+                <a:solidFill>
+                  <a:schemeClr val="tx1"/>
+                </a:solidFill>
+              </a:rPr>
+              <a:t>. </a:t>
             </a:r>
             <a:r>
               <a:rPr lang="it-IT" sz="2100" i="1" dirty="0">
@@ -3266,7 +3282,7 @@
                   <a:schemeClr val="tx1"/>
                 </a:solidFill>
               </a:rPr>
-              <a:t>. 852361</a:t>
+              <a:t>852361</a:t>
             </a:r>
             <a:r>
               <a:rPr lang="it-IT" sz="2100" i="1" dirty="0" smtClean="0">
@@ -4159,14 +4175,25 @@
               <a:rPr lang="en-US" dirty="0">
                 <a:latin typeface="Georgia" panose="02040502050405020303" pitchFamily="18" charset="0"/>
               </a:rPr>
-              <a:t> is meant to be only an interface between customers and taxi drivers. </a:t>
-            </a:r>
-          </a:p>
-          <a:p>
+              <a:t> is meant to be only an interface between customers and taxi drivers</a:t>
+            </a:r>
             <a:r>
               <a:rPr lang="en-US" dirty="0" smtClean="0">
                 <a:latin typeface="Georgia" panose="02040502050405020303" pitchFamily="18" charset="0"/>
               </a:rPr>
+              <a:t>.</a:t>
+            </a:r>
+          </a:p>
+          <a:p>
+            <a:endParaRPr lang="en-US" dirty="0">
+              <a:latin typeface="Georgia" panose="02040502050405020303" pitchFamily="18" charset="0"/>
+            </a:endParaRPr>
+          </a:p>
+          <a:p>
+            <a:r>
+              <a:rPr lang="en-US" dirty="0" smtClean="0">
+                <a:latin typeface="Georgia" panose="02040502050405020303" pitchFamily="18" charset="0"/>
+              </a:rPr>
               <a:t> </a:t>
             </a:r>
             <a:r>
@@ -4175,6 +4202,14 @@
               </a:rPr>
               <a:t>The web and mobile registration is intended for customers only. Taxi drivers’ account are created by an administrator when they are hired by the taxi company. Taxi drivers will then receive their username and temporary password, which they will be able to change once logged in the application. </a:t>
             </a:r>
+            <a:endParaRPr lang="en-US" dirty="0" smtClean="0">
+              <a:latin typeface="Georgia" panose="02040502050405020303" pitchFamily="18" charset="0"/>
+            </a:endParaRPr>
+          </a:p>
+          <a:p>
+            <a:endParaRPr lang="en-US" dirty="0">
+              <a:latin typeface="Georgia" panose="02040502050405020303" pitchFamily="18" charset="0"/>
+            </a:endParaRPr>
           </a:p>
           <a:p>
             <a:r>
@@ -4191,18 +4226,6 @@
             </a:r>
           </a:p>
           <a:p>
-            <a:r>
-              <a:rPr lang="en-US" dirty="0" smtClean="0">
-                <a:latin typeface="Georgia" panose="02040502050405020303" pitchFamily="18" charset="0"/>
-              </a:rPr>
-              <a:t> </a:t>
-            </a:r>
-            <a:r>
-              <a:rPr lang="en-US" dirty="0">
-                <a:latin typeface="Georgia" panose="02040502050405020303" pitchFamily="18" charset="0"/>
-              </a:rPr>
-              <a:t>Taxi drivers can log into the web application with theirs driver’s account but cannot access to the customers’ service. The only available function will be the modification of some account information. </a:t>
-            </a:r>
             <a:endParaRPr lang="it-IT" dirty="0">
               <a:latin typeface="Georgia" panose="02040502050405020303" pitchFamily="18" charset="0"/>
             </a:endParaRPr>
@@ -4316,7 +4339,7 @@
                                         <p:tgtEl>
                                           <p:spTgt spid="3">
                                             <p:txEl>
-                                              <p:pRg st="1" end="1"/>
+                                              <p:pRg st="2" end="2"/>
                                             </p:txEl>
                                           </p:spTgt>
                                         </p:tgtEl>
@@ -4334,7 +4357,7 @@
                                         <p:tgtEl>
                                           <p:spTgt spid="3">
                                             <p:txEl>
-                                              <p:pRg st="1" end="1"/>
+                                              <p:pRg st="2" end="2"/>
                                             </p:txEl>
                                           </p:spTgt>
                                         </p:tgtEl>
@@ -4377,7 +4400,7 @@
                                         <p:tgtEl>
                                           <p:spTgt spid="3">
                                             <p:txEl>
-                                              <p:pRg st="2" end="2"/>
+                                              <p:pRg st="4" end="4"/>
                                             </p:txEl>
                                           </p:spTgt>
                                         </p:tgtEl>
@@ -4395,68 +4418,7 @@
                                         <p:tgtEl>
                                           <p:spTgt spid="3">
                                             <p:txEl>
-                                              <p:pRg st="2" end="2"/>
-                                            </p:txEl>
-                                          </p:spTgt>
-                                        </p:tgtEl>
-                                      </p:cBhvr>
-                                    </p:animEffect>
-                                  </p:childTnLst>
-                                </p:cTn>
-                              </p:par>
-                            </p:childTnLst>
-                          </p:cTn>
-                        </p:par>
-                      </p:childTnLst>
-                    </p:cTn>
-                  </p:par>
-                  <p:par>
-                    <p:cTn id="18" fill="hold">
-                      <p:stCondLst>
-                        <p:cond delay="indefinite"/>
-                      </p:stCondLst>
-                      <p:childTnLst>
-                        <p:par>
-                          <p:cTn id="19" fill="hold">
-                            <p:stCondLst>
-                              <p:cond delay="0"/>
-                            </p:stCondLst>
-                            <p:childTnLst>
-                              <p:par>
-                                <p:cTn id="20" presetID="10" presetClass="entr" presetSubtype="0" fill="hold" nodeType="clickEffect">
-                                  <p:stCondLst>
-                                    <p:cond delay="0"/>
-                                  </p:stCondLst>
-                                  <p:childTnLst>
-                                    <p:set>
-                                      <p:cBhvr>
-                                        <p:cTn id="21" dur="1" fill="hold">
-                                          <p:stCondLst>
-                                            <p:cond delay="0"/>
-                                          </p:stCondLst>
-                                        </p:cTn>
-                                        <p:tgtEl>
-                                          <p:spTgt spid="3">
-                                            <p:txEl>
-                                              <p:pRg st="3" end="3"/>
-                                            </p:txEl>
-                                          </p:spTgt>
-                                        </p:tgtEl>
-                                        <p:attrNameLst>
-                                          <p:attrName>style.visibility</p:attrName>
-                                        </p:attrNameLst>
-                                      </p:cBhvr>
-                                      <p:to>
-                                        <p:strVal val="visible"/>
-                                      </p:to>
-                                    </p:set>
-                                    <p:animEffect transition="in" filter="fade">
-                                      <p:cBhvr>
-                                        <p:cTn id="22" dur="500"/>
-                                        <p:tgtEl>
-                                          <p:spTgt spid="3">
-                                            <p:txEl>
-                                              <p:pRg st="3" end="3"/>
+                                              <p:pRg st="4" end="4"/>
                                             </p:txEl>
                                           </p:spTgt>
                                         </p:tgtEl>
@@ -4576,26 +4538,44 @@
               <a:t> </a:t>
             </a:r>
             <a:r>
-              <a:rPr lang="it-IT" b="1" dirty="0">
+              <a:rPr lang="it-IT" i="1" dirty="0">
+                <a:effectLst>
+                  <a:outerShdw blurRad="38100" dist="38100" dir="2700000" algn="tl">
+                    <a:srgbClr val="000000">
+                      <a:alpha val="43137"/>
+                    </a:srgbClr>
+                  </a:outerShdw>
+                </a:effectLst>
                 <a:latin typeface="Georgia" panose="02040502050405020303" pitchFamily="18" charset="0"/>
               </a:rPr>
               <a:t>Product </a:t>
             </a:r>
             <a:r>
-              <a:rPr lang="it-IT" b="1" dirty="0" err="1">
+              <a:rPr lang="it-IT" i="1" dirty="0" err="1">
+                <a:effectLst>
+                  <a:outerShdw blurRad="38100" dist="38100" dir="2700000" algn="tl">
+                    <a:srgbClr val="000000">
+                      <a:alpha val="43137"/>
+                    </a:srgbClr>
+                  </a:outerShdw>
+                </a:effectLst>
                 <a:latin typeface="Georgia" panose="02040502050405020303" pitchFamily="18" charset="0"/>
               </a:rPr>
               <a:t>perspective</a:t>
             </a:r>
             <a:r>
-              <a:rPr lang="it-IT" b="1" dirty="0">
+              <a:rPr lang="it-IT" i="1" dirty="0">
+                <a:effectLst>
+                  <a:outerShdw blurRad="38100" dist="38100" dir="2700000" algn="tl">
+                    <a:srgbClr val="000000">
+                      <a:alpha val="43137"/>
+                    </a:srgbClr>
+                  </a:outerShdw>
+                </a:effectLst>
                 <a:latin typeface="Georgia" panose="02040502050405020303" pitchFamily="18" charset="0"/>
               </a:rPr>
               <a:t> </a:t>
             </a:r>
-            <a:endParaRPr lang="it-IT" dirty="0">
-              <a:latin typeface="Georgia" panose="02040502050405020303" pitchFamily="18" charset="0"/>
-            </a:endParaRPr>
           </a:p>
           <a:p>
             <a:pPr marL="0" indent="0">
@@ -5169,18 +5149,39 @@
               <a:t> </a:t>
             </a:r>
             <a:r>
-              <a:rPr lang="it-IT" b="1" dirty="0">
+              <a:rPr lang="it-IT" i="1" dirty="0">
+                <a:effectLst>
+                  <a:outerShdw blurRad="38100" dist="38100" dir="2700000" algn="tl">
+                    <a:srgbClr val="000000">
+                      <a:alpha val="43137"/>
+                    </a:srgbClr>
+                  </a:outerShdw>
+                </a:effectLst>
                 <a:latin typeface="Georgia" panose="02040502050405020303" pitchFamily="18" charset="0"/>
               </a:rPr>
               <a:t>User </a:t>
             </a:r>
             <a:r>
-              <a:rPr lang="it-IT" b="1" dirty="0" err="1" smtClean="0">
+              <a:rPr lang="it-IT" i="1" dirty="0" err="1" smtClean="0">
+                <a:effectLst>
+                  <a:outerShdw blurRad="38100" dist="38100" dir="2700000" algn="tl">
+                    <a:srgbClr val="000000">
+                      <a:alpha val="43137"/>
+                    </a:srgbClr>
+                  </a:outerShdw>
+                </a:effectLst>
                 <a:latin typeface="Georgia" panose="02040502050405020303" pitchFamily="18" charset="0"/>
               </a:rPr>
               <a:t>characteristics</a:t>
             </a:r>
-            <a:endParaRPr lang="it-IT" dirty="0">
+            <a:endParaRPr lang="it-IT" i="1" dirty="0">
+              <a:effectLst>
+                <a:outerShdw blurRad="38100" dist="38100" dir="2700000" algn="tl">
+                  <a:srgbClr val="000000">
+                    <a:alpha val="43137"/>
+                  </a:srgbClr>
+                </a:outerShdw>
+              </a:effectLst>
               <a:latin typeface="Georgia" panose="02040502050405020303" pitchFamily="18" charset="0"/>
             </a:endParaRPr>
           </a:p>
@@ -5610,38 +5611,70 @@
               <a:t> </a:t>
             </a:r>
             <a:r>
-              <a:rPr lang="it-IT" b="1" dirty="0">
+              <a:rPr lang="it-IT" i="1" dirty="0">
+                <a:effectLst>
+                  <a:outerShdw blurRad="38100" dist="38100" dir="2700000" algn="tl">
+                    <a:srgbClr val="000000">
+                      <a:alpha val="43137"/>
+                    </a:srgbClr>
+                  </a:outerShdw>
+                </a:effectLst>
                 <a:latin typeface="Georgia" panose="02040502050405020303" pitchFamily="18" charset="0"/>
               </a:rPr>
               <a:t>Future </a:t>
             </a:r>
             <a:r>
-              <a:rPr lang="it-IT" b="1" dirty="0" err="1">
+              <a:rPr lang="it-IT" i="1" dirty="0" err="1">
+                <a:effectLst>
+                  <a:outerShdw blurRad="38100" dist="38100" dir="2700000" algn="tl">
+                    <a:srgbClr val="000000">
+                      <a:alpha val="43137"/>
+                    </a:srgbClr>
+                  </a:outerShdw>
+                </a:effectLst>
                 <a:latin typeface="Georgia" panose="02040502050405020303" pitchFamily="18" charset="0"/>
               </a:rPr>
               <a:t>possible</a:t>
             </a:r>
             <a:r>
-              <a:rPr lang="it-IT" b="1" dirty="0">
+              <a:rPr lang="it-IT" i="1" dirty="0">
+                <a:effectLst>
+                  <a:outerShdw blurRad="38100" dist="38100" dir="2700000" algn="tl">
+                    <a:srgbClr val="000000">
+                      <a:alpha val="43137"/>
+                    </a:srgbClr>
+                  </a:outerShdw>
+                </a:effectLst>
                 <a:latin typeface="Georgia" panose="02040502050405020303" pitchFamily="18" charset="0"/>
               </a:rPr>
               <a:t> </a:t>
             </a:r>
             <a:r>
-              <a:rPr lang="it-IT" b="1" dirty="0" err="1">
+              <a:rPr lang="it-IT" i="1" dirty="0" err="1">
+                <a:effectLst>
+                  <a:outerShdw blurRad="38100" dist="38100" dir="2700000" algn="tl">
+                    <a:srgbClr val="000000">
+                      <a:alpha val="43137"/>
+                    </a:srgbClr>
+                  </a:outerShdw>
+                </a:effectLst>
                 <a:latin typeface="Georgia" panose="02040502050405020303" pitchFamily="18" charset="0"/>
               </a:rPr>
               <a:t>implementations</a:t>
             </a:r>
             <a:r>
-              <a:rPr lang="it-IT" b="1" dirty="0">
+              <a:rPr lang="it-IT" i="1" dirty="0">
+                <a:effectLst>
+                  <a:outerShdw blurRad="38100" dist="38100" dir="2700000" algn="tl">
+                    <a:srgbClr val="000000">
+                      <a:alpha val="43137"/>
+                    </a:srgbClr>
+                  </a:outerShdw>
+                </a:effectLst>
                 <a:latin typeface="Georgia" panose="02040502050405020303" pitchFamily="18" charset="0"/>
               </a:rPr>
               <a:t> </a:t>
             </a:r>
-            <a:endParaRPr lang="it-IT" dirty="0">
-              <a:latin typeface="Georgia" panose="02040502050405020303" pitchFamily="18" charset="0"/>
-            </a:endParaRPr>
           </a:p>
           <a:p>
             <a:pPr marL="514350" indent="-514350">
@@ -6367,7 +6400,7 @@
         <p:spPr/>
         <p:txBody>
           <a:bodyPr>
-            <a:normAutofit/>
+            <a:normAutofit fontScale="92500" lnSpcReduction="20000"/>
           </a:bodyPr>
           <a:lstStyle/>
           <a:p>
@@ -6388,18 +6421,6 @@
             </a:endParaRPr>
           </a:p>
           <a:p>
-            <a:r>
-              <a:rPr lang="en-US" sz="2800" i="1" dirty="0">
-                <a:latin typeface="Georgia" panose="02040502050405020303" pitchFamily="18" charset="0"/>
-              </a:rPr>
-              <a:t>Taxi Driver </a:t>
-            </a:r>
-            <a:r>
-              <a:rPr lang="en-US" sz="2800" dirty="0">
-                <a:latin typeface="Georgia" panose="02040502050405020303" pitchFamily="18" charset="0"/>
-              </a:rPr>
-              <a:t>– Employee of the taxi service </a:t>
-            </a:r>
             <a:endParaRPr lang="en-US" sz="2800" dirty="0" smtClean="0">
               <a:latin typeface="Georgia" panose="02040502050405020303" pitchFamily="18" charset="0"/>
             </a:endParaRPr>
@@ -6409,26 +6430,16 @@
               <a:rPr lang="en-US" sz="2800" i="1" dirty="0">
                 <a:latin typeface="Georgia" panose="02040502050405020303" pitchFamily="18" charset="0"/>
               </a:rPr>
-              <a:t>Reservation </a:t>
+              <a:t>Standard customer </a:t>
             </a:r>
             <a:r>
               <a:rPr lang="en-US" sz="2800" dirty="0">
                 <a:latin typeface="Georgia" panose="02040502050405020303" pitchFamily="18" charset="0"/>
               </a:rPr>
-              <a:t>– R</a:t>
-            </a:r>
-            <a:r>
-              <a:rPr lang="en-US" sz="2800" dirty="0" smtClean="0">
-                <a:latin typeface="Georgia" panose="02040502050405020303" pitchFamily="18" charset="0"/>
-              </a:rPr>
-              <a:t>ide </a:t>
-            </a:r>
-            <a:r>
-              <a:rPr lang="en-US" sz="2800" dirty="0">
-                <a:latin typeface="Georgia" panose="02040502050405020303" pitchFamily="18" charset="0"/>
-              </a:rPr>
-              <a:t>that has been reserved by a customer using the web or mobile application. </a:t>
-            </a:r>
+              <a:t>– A customer who is not using MTS’s applications but may still require a ride with the “traditional” method. </a:t>
+            </a:r>
+          </a:p>
+          <a:p>
             <a:endParaRPr lang="en-US" sz="2800" dirty="0" smtClean="0">
               <a:latin typeface="Georgia" panose="02040502050405020303" pitchFamily="18" charset="0"/>
             </a:endParaRPr>
@@ -6438,27 +6449,54 @@
               <a:rPr lang="en-US" sz="2800" i="1" dirty="0">
                 <a:latin typeface="Georgia" panose="02040502050405020303" pitchFamily="18" charset="0"/>
               </a:rPr>
-              <a:t>Request </a:t>
+              <a:t>Taxi Driver </a:t>
             </a:r>
             <a:r>
               <a:rPr lang="en-US" sz="2800" dirty="0">
                 <a:latin typeface="Georgia" panose="02040502050405020303" pitchFamily="18" charset="0"/>
               </a:rPr>
-              <a:t>– </a:t>
-            </a:r>
-            <a:r>
-              <a:rPr lang="en-US" sz="2800" dirty="0" smtClean="0">
-                <a:latin typeface="Georgia" panose="02040502050405020303" pitchFamily="18" charset="0"/>
-              </a:rPr>
-              <a:t> Customer’s </a:t>
+              <a:t>– Employee of the taxi service </a:t>
+            </a:r>
+            <a:endParaRPr lang="en-US" sz="2800" dirty="0" smtClean="0">
+              <a:latin typeface="Georgia" panose="02040502050405020303" pitchFamily="18" charset="0"/>
+            </a:endParaRPr>
+          </a:p>
+          <a:p>
+            <a:endParaRPr lang="en-US" sz="2800" dirty="0" smtClean="0">
+              <a:latin typeface="Georgia" panose="02040502050405020303" pitchFamily="18" charset="0"/>
+            </a:endParaRPr>
+          </a:p>
+          <a:p>
+            <a:r>
+              <a:rPr lang="en-US" sz="2800" i="1" dirty="0">
+                <a:latin typeface="Georgia" panose="02040502050405020303" pitchFamily="18" charset="0"/>
+              </a:rPr>
+              <a:t>Taxi zones </a:t>
             </a:r>
             <a:r>
               <a:rPr lang="en-US" sz="2800" dirty="0">
                 <a:latin typeface="Georgia" panose="02040502050405020303" pitchFamily="18" charset="0"/>
               </a:rPr>
-              <a:t>demand to be picked up by a taxi, sent using the web or mobile application. </a:t>
+              <a:t>–</a:t>
+            </a:r>
+            <a:r>
+              <a:rPr lang="it-IT" sz="2800" dirty="0">
+                <a:latin typeface="Georgia" panose="02040502050405020303" pitchFamily="18" charset="0"/>
+              </a:rPr>
+              <a:t>2km² </a:t>
+            </a:r>
+            <a:r>
+              <a:rPr lang="en-US" sz="2800" dirty="0">
+                <a:latin typeface="Georgia" panose="02040502050405020303" pitchFamily="18" charset="0"/>
+              </a:rPr>
+              <a:t> areas in which the city’s territory is divided. Each taxi queue is associated to a single taxi zone. </a:t>
             </a:r>
             <a:endParaRPr lang="it-IT" sz="2800" dirty="0">
+              <a:latin typeface="Georgia" panose="02040502050405020303" pitchFamily="18" charset="0"/>
+            </a:endParaRPr>
+          </a:p>
+          <a:p>
+            <a:endParaRPr lang="en-US" sz="2800" dirty="0" smtClean="0">
               <a:latin typeface="Georgia" panose="02040502050405020303" pitchFamily="18" charset="0"/>
             </a:endParaRPr>
           </a:p>
@@ -6571,7 +6609,7 @@
                                         <p:tgtEl>
                                           <p:spTgt spid="3">
                                             <p:txEl>
-                                              <p:pRg st="1" end="1"/>
+                                              <p:pRg st="2" end="2"/>
                                             </p:txEl>
                                           </p:spTgt>
                                         </p:tgtEl>
@@ -6589,7 +6627,7 @@
                                         <p:tgtEl>
                                           <p:spTgt spid="3">
                                             <p:txEl>
-                                              <p:pRg st="1" end="1"/>
+                                              <p:pRg st="2" end="2"/>
                                             </p:txEl>
                                           </p:spTgt>
                                         </p:tgtEl>
@@ -6632,7 +6670,7 @@
                                         <p:tgtEl>
                                           <p:spTgt spid="3">
                                             <p:txEl>
-                                              <p:pRg st="2" end="2"/>
+                                              <p:pRg st="4" end="4"/>
                                             </p:txEl>
                                           </p:spTgt>
                                         </p:tgtEl>
@@ -6650,7 +6688,7 @@
                                         <p:tgtEl>
                                           <p:spTgt spid="3">
                                             <p:txEl>
-                                              <p:pRg st="2" end="2"/>
+                                              <p:pRg st="4" end="4"/>
                                             </p:txEl>
                                           </p:spTgt>
                                         </p:tgtEl>
@@ -6693,7 +6731,7 @@
                                         <p:tgtEl>
                                           <p:spTgt spid="3">
                                             <p:txEl>
-                                              <p:pRg st="3" end="3"/>
+                                              <p:pRg st="6" end="6"/>
                                             </p:txEl>
                                           </p:spTgt>
                                         </p:tgtEl>
@@ -6711,7 +6749,7 @@
                                         <p:tgtEl>
                                           <p:spTgt spid="3">
                                             <p:txEl>
-                                              <p:pRg st="3" end="3"/>
+                                              <p:pRg st="6" end="6"/>
                                             </p:txEl>
                                           </p:spTgt>
                                         </p:tgtEl>
@@ -6816,20 +6854,20 @@
               <a:rPr lang="en-US" sz="2800" i="1" dirty="0">
                 <a:latin typeface="Georgia" panose="02040502050405020303" pitchFamily="18" charset="0"/>
               </a:rPr>
-              <a:t>Standard customer </a:t>
+              <a:t>Reservation </a:t>
             </a:r>
             <a:r>
               <a:rPr lang="en-US" sz="2800" dirty="0">
                 <a:latin typeface="Georgia" panose="02040502050405020303" pitchFamily="18" charset="0"/>
               </a:rPr>
-              <a:t>– A customer who is not using MTS’s applications but may still require a ride with the “traditional” method. </a:t>
+              <a:t>– Ride that has been reserved by a customer using the web or mobile application. </a:t>
             </a:r>
             <a:endParaRPr lang="en-US" sz="2800" dirty="0" smtClean="0">
               <a:latin typeface="Georgia" panose="02040502050405020303" pitchFamily="18" charset="0"/>
             </a:endParaRPr>
           </a:p>
           <a:p>
-            <a:endParaRPr lang="en-US" sz="2800" dirty="0" smtClean="0">
+            <a:endParaRPr lang="en-US" sz="2800" dirty="0">
               <a:latin typeface="Georgia" panose="02040502050405020303" pitchFamily="18" charset="0"/>
             </a:endParaRPr>
           </a:p>
@@ -6838,32 +6876,19 @@
               <a:rPr lang="en-US" sz="2800" i="1" dirty="0">
                 <a:latin typeface="Georgia" panose="02040502050405020303" pitchFamily="18" charset="0"/>
               </a:rPr>
-              <a:t>Taxi zones </a:t>
-            </a:r>
-            <a:r>
-              <a:rPr lang="en-US" sz="2800" dirty="0" smtClean="0">
-                <a:latin typeface="Georgia" panose="02040502050405020303" pitchFamily="18" charset="0"/>
-              </a:rPr>
-              <a:t>–</a:t>
-            </a:r>
-            <a:r>
-              <a:rPr lang="it-IT" sz="2800" dirty="0" smtClean="0">
-                <a:latin typeface="Georgia" panose="02040502050405020303" pitchFamily="18" charset="0"/>
-              </a:rPr>
-              <a:t>2km² </a:t>
-            </a:r>
-            <a:r>
-              <a:rPr lang="en-US" sz="2800" dirty="0" smtClean="0">
-                <a:latin typeface="Georgia" panose="02040502050405020303" pitchFamily="18" charset="0"/>
-              </a:rPr>
-              <a:t> </a:t>
+              <a:t>Request </a:t>
             </a:r>
             <a:r>
               <a:rPr lang="en-US" sz="2800" dirty="0">
                 <a:latin typeface="Georgia" panose="02040502050405020303" pitchFamily="18" charset="0"/>
               </a:rPr>
-              <a:t>areas in which the city’s territory is divided. Each taxi queue is associated to a single taxi zone. </a:t>
-            </a:r>
+              <a:t>–  Customer’s demand to be picked up by a taxi, sent using the web or mobile application. </a:t>
+            </a:r>
+            <a:endParaRPr lang="it-IT" sz="2800" dirty="0">
+              <a:latin typeface="Georgia" panose="02040502050405020303" pitchFamily="18" charset="0"/>
+            </a:endParaRPr>
+          </a:p>
+          <a:p>
             <a:endParaRPr lang="it-IT" sz="2800" dirty="0">
               <a:latin typeface="Georgia" panose="02040502050405020303" pitchFamily="18" charset="0"/>
             </a:endParaRPr>
@@ -8999,7 +9024,7 @@
         <p:spPr/>
         <p:txBody>
           <a:bodyPr>
-            <a:normAutofit lnSpcReduction="10000"/>
+            <a:normAutofit fontScale="85000" lnSpcReduction="20000"/>
           </a:bodyPr>
           <a:lstStyle/>
           <a:p>
@@ -9057,6 +9082,27 @@
               </a:rPr>
               <a:t>A taxi driver account cannot be used as a customer account, and vice versa. This means that if a taxi driver wants to access the customer’s services, he will need to create a customer account. </a:t>
             </a:r>
+            <a:endParaRPr lang="en-US" sz="2400" dirty="0" smtClean="0">
+              <a:latin typeface="Georgia" panose="02040502050405020303" pitchFamily="18" charset="0"/>
+            </a:endParaRPr>
+          </a:p>
+          <a:p>
+            <a:endParaRPr lang="en-US" sz="2400" dirty="0" smtClean="0">
+              <a:latin typeface="Georgia" panose="02040502050405020303" pitchFamily="18" charset="0"/>
+            </a:endParaRPr>
+          </a:p>
+          <a:p>
+            <a:r>
+              <a:rPr lang="en-US" sz="2400" dirty="0">
+                <a:latin typeface="Georgia" panose="02040502050405020303" pitchFamily="18" charset="0"/>
+              </a:rPr>
+              <a:t>Taxi drivers can log into the web application with theirs driver’s account but cannot access to the customers’ service. The only available function will be the modification of some account information. </a:t>
+            </a:r>
+            <a:endParaRPr lang="it-IT" sz="2400" dirty="0">
+              <a:latin typeface="Georgia" panose="02040502050405020303" pitchFamily="18" charset="0"/>
+            </a:endParaRPr>
+          </a:p>
+          <a:p>
             <a:endParaRPr lang="it-IT" sz="2400" dirty="0">
               <a:latin typeface="Georgia" panose="02040502050405020303" pitchFamily="18" charset="0"/>
             </a:endParaRPr>
@@ -9250,6 +9296,67 @@
                                           <p:spTgt spid="6">
                                             <p:txEl>
                                               <p:pRg st="4" end="4"/>
+                                            </p:txEl>
+                                          </p:spTgt>
+                                        </p:tgtEl>
+                                      </p:cBhvr>
+                                    </p:animEffect>
+                                  </p:childTnLst>
+                                </p:cTn>
+                              </p:par>
+                            </p:childTnLst>
+                          </p:cTn>
+                        </p:par>
+                      </p:childTnLst>
+                    </p:cTn>
+                  </p:par>
+                  <p:par>
+                    <p:cTn id="18" fill="hold">
+                      <p:stCondLst>
+                        <p:cond delay="indefinite"/>
+                      </p:stCondLst>
+                      <p:childTnLst>
+                        <p:par>
+                          <p:cTn id="19" fill="hold">
+                            <p:stCondLst>
+                              <p:cond delay="0"/>
+                            </p:stCondLst>
+                            <p:childTnLst>
+                              <p:par>
+                                <p:cTn id="20" presetID="10" presetClass="entr" presetSubtype="0" fill="hold" nodeType="clickEffect">
+                                  <p:stCondLst>
+                                    <p:cond delay="0"/>
+                                  </p:stCondLst>
+                                  <p:childTnLst>
+                                    <p:set>
+                                      <p:cBhvr>
+                                        <p:cTn id="21" dur="1" fill="hold">
+                                          <p:stCondLst>
+                                            <p:cond delay="0"/>
+                                          </p:stCondLst>
+                                        </p:cTn>
+                                        <p:tgtEl>
+                                          <p:spTgt spid="6">
+                                            <p:txEl>
+                                              <p:pRg st="6" end="6"/>
+                                            </p:txEl>
+                                          </p:spTgt>
+                                        </p:tgtEl>
+                                        <p:attrNameLst>
+                                          <p:attrName>style.visibility</p:attrName>
+                                        </p:attrNameLst>
+                                      </p:cBhvr>
+                                      <p:to>
+                                        <p:strVal val="visible"/>
+                                      </p:to>
+                                    </p:set>
+                                    <p:animEffect transition="in" filter="fade">
+                                      <p:cBhvr>
+                                        <p:cTn id="22" dur="500"/>
+                                        <p:tgtEl>
+                                          <p:spTgt spid="6">
+                                            <p:txEl>
+                                              <p:pRg st="6" end="6"/>
                                             </p:txEl>
                                           </p:spTgt>
                                         </p:tgtEl>

--- a/OtherStuff/Presentation/assumptions + definitions + overall description.pptx
+++ b/OtherStuff/Presentation/assumptions + definitions + overall description.pptx
@@ -121,7 +121,7 @@
   </p:defaultTextStyle>
   <p:extLst>
     <p:ext uri="{EFAFB233-063F-42B5-8137-9DF3F51BA10A}">
-      <p15:sldGuideLst xmlns:p15="http://schemas.microsoft.com/office/powerpoint/2012/main" xmlns="">
+      <p15:sldGuideLst xmlns="" xmlns:p15="http://schemas.microsoft.com/office/powerpoint/2012/main">
         <p15:guide id="1" orient="horz" pos="2160">
           <p15:clr>
             <a:srgbClr val="A4A3A4"/>
@@ -4527,7 +4527,7 @@
         <p:spPr/>
         <p:txBody>
           <a:bodyPr>
-            <a:normAutofit fontScale="85000" lnSpcReduction="20000"/>
+            <a:normAutofit fontScale="62500" lnSpcReduction="20000"/>
           </a:bodyPr>
           <a:lstStyle/>
           <a:p>
@@ -4576,6 +4576,28 @@
               </a:rPr>
               <a:t> </a:t>
             </a:r>
+            <a:endParaRPr lang="it-IT" i="1" dirty="0" smtClean="0">
+              <a:effectLst>
+                <a:outerShdw blurRad="38100" dist="38100" dir="2700000" algn="tl">
+                  <a:srgbClr val="000000">
+                    <a:alpha val="43137"/>
+                  </a:srgbClr>
+                </a:outerShdw>
+              </a:effectLst>
+              <a:latin typeface="Georgia" panose="02040502050405020303" pitchFamily="18" charset="0"/>
+            </a:endParaRPr>
+          </a:p>
+          <a:p>
+            <a:endParaRPr lang="it-IT" i="1" dirty="0">
+              <a:effectLst>
+                <a:outerShdw blurRad="38100" dist="38100" dir="2700000" algn="tl">
+                  <a:srgbClr val="000000">
+                    <a:alpha val="43137"/>
+                  </a:srgbClr>
+                </a:outerShdw>
+              </a:effectLst>
+              <a:latin typeface="Georgia" panose="02040502050405020303" pitchFamily="18" charset="0"/>
+            </a:endParaRPr>
           </a:p>
           <a:p>
             <a:pPr marL="0" indent="0">
@@ -4585,7 +4607,24 @@
               <a:rPr lang="en-US" dirty="0">
                 <a:latin typeface="Georgia" panose="02040502050405020303" pitchFamily="18" charset="0"/>
               </a:rPr>
-              <a:t>The applications to be developed is not completely independent and self-contained: </a:t>
+              <a:t>The applications to be developed is not completely independent and self-contained</a:t>
+            </a:r>
+            <a:r>
+              <a:rPr lang="en-US" dirty="0" smtClean="0">
+                <a:latin typeface="Georgia" panose="02040502050405020303" pitchFamily="18" charset="0"/>
+              </a:rPr>
+              <a:t>:</a:t>
+            </a:r>
+          </a:p>
+          <a:p>
+            <a:pPr marL="0" indent="0">
+              <a:buNone/>
+            </a:pPr>
+            <a:r>
+              <a:rPr lang="en-US" dirty="0" smtClean="0">
+                <a:latin typeface="Georgia" panose="02040502050405020303" pitchFamily="18" charset="0"/>
+              </a:rPr>
+              <a:t> </a:t>
             </a:r>
             <a:endParaRPr lang="en-US" dirty="0" smtClean="0">
               <a:latin typeface="Georgia" panose="02040502050405020303" pitchFamily="18" charset="0"/>
@@ -4617,6 +4656,15 @@
               <a:buFont typeface="+mj-lt"/>
               <a:buAutoNum type="arabicPeriod"/>
             </a:pPr>
+            <a:endParaRPr lang="en-US" dirty="0" smtClean="0">
+              <a:latin typeface="Georgia" panose="02040502050405020303" pitchFamily="18" charset="0"/>
+            </a:endParaRPr>
+          </a:p>
+          <a:p>
+            <a:pPr marL="514350" indent="-514350">
+              <a:buFont typeface="+mj-lt"/>
+              <a:buAutoNum type="arabicPeriod"/>
+            </a:pPr>
             <a:r>
               <a:rPr lang="en-US" dirty="0" smtClean="0">
                 <a:latin typeface="Georgia" panose="02040502050405020303" pitchFamily="18" charset="0"/>
@@ -4645,8 +4693,23 @@
               <a:rPr lang="en-US" dirty="0" smtClean="0">
                 <a:latin typeface="Georgia" panose="02040502050405020303" pitchFamily="18" charset="0"/>
               </a:rPr>
-              <a:t>services.</a:t>
-            </a:r>
+              <a:t>services</a:t>
+            </a:r>
+            <a:r>
+              <a:rPr lang="en-US" dirty="0" smtClean="0">
+                <a:latin typeface="Georgia" panose="02040502050405020303" pitchFamily="18" charset="0"/>
+              </a:rPr>
+              <a:t>.</a:t>
+            </a:r>
+          </a:p>
+          <a:p>
+            <a:pPr marL="514350" indent="-514350">
+              <a:buFont typeface="+mj-lt"/>
+              <a:buAutoNum type="arabicPeriod"/>
+            </a:pPr>
+            <a:endParaRPr lang="en-US" dirty="0" smtClean="0">
+              <a:latin typeface="Georgia" panose="02040502050405020303" pitchFamily="18" charset="0"/>
+            </a:endParaRPr>
           </a:p>
           <a:p>
             <a:pPr marL="514350" indent="-514350">
@@ -4832,7 +4895,7 @@
                                         <p:tgtEl>
                                           <p:spTgt spid="3">
                                             <p:txEl>
-                                              <p:pRg st="1" end="1"/>
+                                              <p:pRg st="2" end="2"/>
                                             </p:txEl>
                                           </p:spTgt>
                                         </p:tgtEl>
@@ -4850,7 +4913,7 @@
                                         <p:tgtEl>
                                           <p:spTgt spid="3">
                                             <p:txEl>
-                                              <p:pRg st="1" end="1"/>
+                                              <p:pRg st="2" end="2"/>
                                             </p:txEl>
                                           </p:spTgt>
                                         </p:tgtEl>
@@ -4893,7 +4956,7 @@
                                         <p:tgtEl>
                                           <p:spTgt spid="3">
                                             <p:txEl>
-                                              <p:pRg st="2" end="2"/>
+                                              <p:pRg st="3" end="3"/>
                                             </p:txEl>
                                           </p:spTgt>
                                         </p:tgtEl>
@@ -4911,7 +4974,7 @@
                                         <p:tgtEl>
                                           <p:spTgt spid="3">
                                             <p:txEl>
-                                              <p:pRg st="2" end="2"/>
+                                              <p:pRg st="3" end="3"/>
                                             </p:txEl>
                                           </p:spTgt>
                                         </p:tgtEl>
@@ -4954,7 +5017,7 @@
                                         <p:tgtEl>
                                           <p:spTgt spid="3">
                                             <p:txEl>
-                                              <p:pRg st="3" end="3"/>
+                                              <p:pRg st="4" end="4"/>
                                             </p:txEl>
                                           </p:spTgt>
                                         </p:tgtEl>
@@ -4972,7 +5035,7 @@
                                         <p:tgtEl>
                                           <p:spTgt spid="3">
                                             <p:txEl>
-                                              <p:pRg st="3" end="3"/>
+                                              <p:pRg st="4" end="4"/>
                                             </p:txEl>
                                           </p:spTgt>
                                         </p:tgtEl>
@@ -5015,7 +5078,7 @@
                                         <p:tgtEl>
                                           <p:spTgt spid="3">
                                             <p:txEl>
-                                              <p:pRg st="4" end="4"/>
+                                              <p:pRg st="6" end="6"/>
                                             </p:txEl>
                                           </p:spTgt>
                                         </p:tgtEl>
@@ -5033,7 +5096,68 @@
                                         <p:tgtEl>
                                           <p:spTgt spid="3">
                                             <p:txEl>
-                                              <p:pRg st="4" end="4"/>
+                                              <p:pRg st="6" end="6"/>
+                                            </p:txEl>
+                                          </p:spTgt>
+                                        </p:tgtEl>
+                                      </p:cBhvr>
+                                    </p:animEffect>
+                                  </p:childTnLst>
+                                </p:cTn>
+                              </p:par>
+                            </p:childTnLst>
+                          </p:cTn>
+                        </p:par>
+                      </p:childTnLst>
+                    </p:cTn>
+                  </p:par>
+                  <p:par>
+                    <p:cTn id="30" fill="hold">
+                      <p:stCondLst>
+                        <p:cond delay="indefinite"/>
+                      </p:stCondLst>
+                      <p:childTnLst>
+                        <p:par>
+                          <p:cTn id="31" fill="hold">
+                            <p:stCondLst>
+                              <p:cond delay="0"/>
+                            </p:stCondLst>
+                            <p:childTnLst>
+                              <p:par>
+                                <p:cTn id="32" presetID="10" presetClass="entr" presetSubtype="0" fill="hold" nodeType="clickEffect">
+                                  <p:stCondLst>
+                                    <p:cond delay="0"/>
+                                  </p:stCondLst>
+                                  <p:childTnLst>
+                                    <p:set>
+                                      <p:cBhvr>
+                                        <p:cTn id="33" dur="1" fill="hold">
+                                          <p:stCondLst>
+                                            <p:cond delay="0"/>
+                                          </p:stCondLst>
+                                        </p:cTn>
+                                        <p:tgtEl>
+                                          <p:spTgt spid="3">
+                                            <p:txEl>
+                                              <p:pRg st="8" end="8"/>
+                                            </p:txEl>
+                                          </p:spTgt>
+                                        </p:tgtEl>
+                                        <p:attrNameLst>
+                                          <p:attrName>style.visibility</p:attrName>
+                                        </p:attrNameLst>
+                                      </p:cBhvr>
+                                      <p:to>
+                                        <p:strVal val="visible"/>
+                                      </p:to>
+                                    </p:set>
+                                    <p:animEffect transition="in" filter="fade">
+                                      <p:cBhvr>
+                                        <p:cTn id="34" dur="500"/>
+                                        <p:tgtEl>
+                                          <p:spTgt spid="3">
+                                            <p:txEl>
+                                              <p:pRg st="8" end="8"/>
                                             </p:txEl>
                                           </p:spTgt>
                                         </p:tgtEl>
@@ -5141,7 +5265,9 @@
         </p:nvSpPr>
         <p:spPr/>
         <p:txBody>
-          <a:bodyPr/>
+          <a:bodyPr>
+            <a:normAutofit fontScale="92500" lnSpcReduction="20000"/>
+          </a:bodyPr>
           <a:lstStyle/>
           <a:p>
             <a:r>
@@ -5174,6 +5300,18 @@
               </a:rPr>
               <a:t>characteristics</a:t>
             </a:r>
+            <a:endParaRPr lang="it-IT" i="1" dirty="0" smtClean="0">
+              <a:effectLst>
+                <a:outerShdw blurRad="38100" dist="38100" dir="2700000" algn="tl">
+                  <a:srgbClr val="000000">
+                    <a:alpha val="43137"/>
+                  </a:srgbClr>
+                </a:outerShdw>
+              </a:effectLst>
+              <a:latin typeface="Georgia" panose="02040502050405020303" pitchFamily="18" charset="0"/>
+            </a:endParaRPr>
+          </a:p>
+          <a:p>
             <a:endParaRPr lang="it-IT" i="1" dirty="0">
               <a:effectLst>
                 <a:outerShdw blurRad="38100" dist="38100" dir="2700000" algn="tl">
@@ -5208,6 +5346,15 @@
               </a:rPr>
               <a:t>types of users: taxi drivers and customers. </a:t>
             </a:r>
+            <a:endParaRPr lang="en-US" dirty="0" smtClean="0">
+              <a:latin typeface="Georgia" panose="02040502050405020303" pitchFamily="18" charset="0"/>
+            </a:endParaRPr>
+          </a:p>
+          <a:p>
+            <a:pPr marL="514350" indent="-514350">
+              <a:buFont typeface="+mj-lt"/>
+              <a:buAutoNum type="arabicPeriod"/>
+            </a:pPr>
             <a:endParaRPr lang="en-US" dirty="0" smtClean="0">
               <a:latin typeface="Georgia" panose="02040502050405020303" pitchFamily="18" charset="0"/>
             </a:endParaRPr>
@@ -5414,7 +5561,7 @@
                                         <p:tgtEl>
                                           <p:spTgt spid="3">
                                             <p:txEl>
-                                              <p:pRg st="1" end="1"/>
+                                              <p:pRg st="2" end="2"/>
                                             </p:txEl>
                                           </p:spTgt>
                                         </p:tgtEl>
@@ -5432,7 +5579,7 @@
                                         <p:tgtEl>
                                           <p:spTgt spid="3">
                                             <p:txEl>
-                                              <p:pRg st="1" end="1"/>
+                                              <p:pRg st="2" end="2"/>
                                             </p:txEl>
                                           </p:spTgt>
                                         </p:tgtEl>
@@ -5475,7 +5622,7 @@
                                         <p:tgtEl>
                                           <p:spTgt spid="3">
                                             <p:txEl>
-                                              <p:pRg st="2" end="2"/>
+                                              <p:pRg st="4" end="4"/>
                                             </p:txEl>
                                           </p:spTgt>
                                         </p:tgtEl>
@@ -5493,7 +5640,7 @@
                                         <p:tgtEl>
                                           <p:spTgt spid="3">
                                             <p:txEl>
-                                              <p:pRg st="2" end="2"/>
+                                              <p:pRg st="4" end="4"/>
                                             </p:txEl>
                                           </p:spTgt>
                                         </p:tgtEl>
@@ -5602,7 +5749,7 @@
         <p:spPr/>
         <p:txBody>
           <a:bodyPr>
-            <a:normAutofit lnSpcReduction="10000"/>
+            <a:normAutofit fontScale="92500" lnSpcReduction="10000"/>
           </a:bodyPr>
           <a:lstStyle/>
           <a:p>
@@ -5675,6 +5822,28 @@
               </a:rPr>
               <a:t> </a:t>
             </a:r>
+            <a:endParaRPr lang="it-IT" i="1" dirty="0" smtClean="0">
+              <a:effectLst>
+                <a:outerShdw blurRad="38100" dist="38100" dir="2700000" algn="tl">
+                  <a:srgbClr val="000000">
+                    <a:alpha val="43137"/>
+                  </a:srgbClr>
+                </a:outerShdw>
+              </a:effectLst>
+              <a:latin typeface="Georgia" panose="02040502050405020303" pitchFamily="18" charset="0"/>
+            </a:endParaRPr>
+          </a:p>
+          <a:p>
+            <a:endParaRPr lang="it-IT" i="1" dirty="0">
+              <a:effectLst>
+                <a:outerShdw blurRad="38100" dist="38100" dir="2700000" algn="tl">
+                  <a:srgbClr val="000000">
+                    <a:alpha val="43137"/>
+                  </a:srgbClr>
+                </a:outerShdw>
+              </a:effectLst>
+              <a:latin typeface="Georgia" panose="02040502050405020303" pitchFamily="18" charset="0"/>
+            </a:endParaRPr>
           </a:p>
           <a:p>
             <a:pPr marL="514350" indent="-514350">
@@ -5693,6 +5862,18 @@
               </a:rPr>
               <a:t>The implementation of a taxi sharing service, which allows customers to share their ride with other users in order to decrease the cost of the ride. </a:t>
             </a:r>
+            <a:endParaRPr lang="en-US" sz="2600" dirty="0" smtClean="0">
+              <a:latin typeface="Georgia" panose="02040502050405020303" pitchFamily="18" charset="0"/>
+            </a:endParaRPr>
+          </a:p>
+          <a:p>
+            <a:pPr marL="514350" indent="-514350">
+              <a:buFont typeface="+mj-lt"/>
+              <a:buAutoNum type="arabicPeriod"/>
+            </a:pPr>
+            <a:endParaRPr lang="en-US" sz="2600" dirty="0">
+              <a:latin typeface="Georgia" panose="02040502050405020303" pitchFamily="18" charset="0"/>
+            </a:endParaRPr>
           </a:p>
           <a:p>
             <a:pPr marL="514350" indent="-514350">
@@ -5875,7 +6056,7 @@
                                         <p:tgtEl>
                                           <p:spTgt spid="3">
                                             <p:txEl>
-                                              <p:pRg st="1" end="1"/>
+                                              <p:pRg st="2" end="2"/>
                                             </p:txEl>
                                           </p:spTgt>
                                         </p:tgtEl>
@@ -5893,7 +6074,7 @@
                                         <p:tgtEl>
                                           <p:spTgt spid="3">
                                             <p:txEl>
-                                              <p:pRg st="1" end="1"/>
+                                              <p:pRg st="2" end="2"/>
                                             </p:txEl>
                                           </p:spTgt>
                                         </p:tgtEl>
@@ -5936,7 +6117,7 @@
                                         <p:tgtEl>
                                           <p:spTgt spid="3">
                                             <p:txEl>
-                                              <p:pRg st="2" end="2"/>
+                                              <p:pRg st="4" end="4"/>
                                             </p:txEl>
                                           </p:spTgt>
                                         </p:tgtEl>
@@ -5954,7 +6135,7 @@
                                         <p:tgtEl>
                                           <p:spTgt spid="3">
                                             <p:txEl>
-                                              <p:pRg st="2" end="2"/>
+                                              <p:pRg st="4" end="4"/>
                                             </p:txEl>
                                           </p:spTgt>
                                         </p:tgtEl>
@@ -6061,7 +6242,7 @@
         <p:spPr/>
         <p:txBody>
           <a:bodyPr>
-            <a:normAutofit fontScale="92500" lnSpcReduction="10000"/>
+            <a:normAutofit fontScale="85000" lnSpcReduction="10000"/>
           </a:bodyPr>
           <a:lstStyle/>
           <a:p>
@@ -6075,6 +6256,15 @@
               </a:rPr>
               <a:t> A function that estimates how much time a ride will take and how much it will cost. This function may be accessible even without requesting a ride. </a:t>
             </a:r>
+            <a:endParaRPr lang="en-US" dirty="0" smtClean="0">
+              <a:latin typeface="Georgia" panose="02040502050405020303" pitchFamily="18" charset="0"/>
+            </a:endParaRPr>
+          </a:p>
+          <a:p>
+            <a:pPr marL="514350" indent="-514350">
+              <a:buFont typeface="+mj-lt"/>
+              <a:buAutoNum type="arabicPeriod" startAt="3"/>
+            </a:pPr>
             <a:endParaRPr lang="it-IT" dirty="0">
               <a:latin typeface="Georgia" panose="02040502050405020303" pitchFamily="18" charset="0"/>
             </a:endParaRPr>
@@ -6096,6 +6286,18 @@
               </a:rPr>
               <a:t>improved taxi management system, which redistributes available taxis moving them from high density areas to low density areas. </a:t>
             </a:r>
+            <a:endParaRPr lang="en-US" dirty="0" smtClean="0">
+              <a:latin typeface="Georgia" panose="02040502050405020303" pitchFamily="18" charset="0"/>
+            </a:endParaRPr>
+          </a:p>
+          <a:p>
+            <a:pPr marL="514350" lvl="0" indent="-514350">
+              <a:buFont typeface="+mj-lt"/>
+              <a:buAutoNum type="arabicPeriod" startAt="3"/>
+            </a:pPr>
+            <a:endParaRPr lang="en-US" dirty="0">
+              <a:latin typeface="Georgia" panose="02040502050405020303" pitchFamily="18" charset="0"/>
+            </a:endParaRPr>
           </a:p>
           <a:p>
             <a:pPr marL="514350" lvl="0" indent="-514350">
@@ -6221,7 +6423,7 @@
                                         <p:tgtEl>
                                           <p:spTgt spid="3">
                                             <p:txEl>
-                                              <p:pRg st="1" end="1"/>
+                                              <p:pRg st="2" end="2"/>
                                             </p:txEl>
                                           </p:spTgt>
                                         </p:tgtEl>
@@ -6239,7 +6441,7 @@
                                         <p:tgtEl>
                                           <p:spTgt spid="3">
                                             <p:txEl>
-                                              <p:pRg st="1" end="1"/>
+                                              <p:pRg st="2" end="2"/>
                                             </p:txEl>
                                           </p:spTgt>
                                         </p:tgtEl>
@@ -6282,7 +6484,7 @@
                                         <p:tgtEl>
                                           <p:spTgt spid="3">
                                             <p:txEl>
-                                              <p:pRg st="2" end="2"/>
+                                              <p:pRg st="4" end="4"/>
                                             </p:txEl>
                                           </p:spTgt>
                                         </p:tgtEl>
@@ -6300,7 +6502,7 @@
                                         <p:tgtEl>
                                           <p:spTgt spid="3">
                                             <p:txEl>
-                                              <p:pRg st="2" end="2"/>
+                                              <p:pRg st="4" end="4"/>
                                             </p:txEl>
                                           </p:spTgt>
                                         </p:tgtEl>
@@ -6414,7 +6616,13 @@
               <a:rPr lang="en-US" sz="2800" dirty="0">
                 <a:latin typeface="Georgia" panose="02040502050405020303" pitchFamily="18" charset="0"/>
               </a:rPr>
-              <a:t>–Registered user that may demand a taxi ride </a:t>
+              <a:t>–Registered user that may demand a taxi </a:t>
+            </a:r>
+            <a:r>
+              <a:rPr lang="en-US" sz="2800" dirty="0" smtClean="0">
+                <a:latin typeface="Georgia" panose="02040502050405020303" pitchFamily="18" charset="0"/>
+              </a:rPr>
+              <a:t>ride.</a:t>
             </a:r>
             <a:endParaRPr lang="en-US" sz="2800" dirty="0" smtClean="0">
               <a:latin typeface="Georgia" panose="02040502050405020303" pitchFamily="18" charset="0"/>
@@ -6436,7 +6644,25 @@
               <a:rPr lang="en-US" sz="2800" dirty="0">
                 <a:latin typeface="Georgia" panose="02040502050405020303" pitchFamily="18" charset="0"/>
               </a:rPr>
-              <a:t>– A customer who is not using MTS’s applications but may still require a ride with the “traditional” method. </a:t>
+              <a:t>– </a:t>
+            </a:r>
+            <a:r>
+              <a:rPr lang="en-US" sz="2800" dirty="0" smtClean="0">
+                <a:latin typeface="Georgia" panose="02040502050405020303" pitchFamily="18" charset="0"/>
+              </a:rPr>
+              <a:t>Person</a:t>
+            </a:r>
+            <a:r>
+              <a:rPr lang="en-US" sz="2800" dirty="0" smtClean="0">
+                <a:latin typeface="Georgia" panose="02040502050405020303" pitchFamily="18" charset="0"/>
+              </a:rPr>
+              <a:t> </a:t>
+            </a:r>
+            <a:r>
+              <a:rPr lang="en-US" sz="2800" dirty="0">
+                <a:latin typeface="Georgia" panose="02040502050405020303" pitchFamily="18" charset="0"/>
+              </a:rPr>
+              <a:t>who is not using MTS’s applications but may still require a ride with the “traditional” method. </a:t>
             </a:r>
           </a:p>
           <a:p>
@@ -6455,7 +6681,13 @@
               <a:rPr lang="en-US" sz="2800" dirty="0">
                 <a:latin typeface="Georgia" panose="02040502050405020303" pitchFamily="18" charset="0"/>
               </a:rPr>
-              <a:t>– Employee of the taxi service </a:t>
+              <a:t>– Employee of the taxi </a:t>
+            </a:r>
+            <a:r>
+              <a:rPr lang="en-US" sz="2800" dirty="0" smtClean="0">
+                <a:latin typeface="Georgia" panose="02040502050405020303" pitchFamily="18" charset="0"/>
+              </a:rPr>
+              <a:t>service.</a:t>
             </a:r>
             <a:endParaRPr lang="en-US" sz="2800" dirty="0" smtClean="0">
               <a:latin typeface="Georgia" panose="02040502050405020303" pitchFamily="18" charset="0"/>
@@ -6489,7 +6721,25 @@
               <a:rPr lang="en-US" sz="2800" dirty="0">
                 <a:latin typeface="Georgia" panose="02040502050405020303" pitchFamily="18" charset="0"/>
               </a:rPr>
-              <a:t> areas in which the city’s territory is divided. Each taxi queue is associated to a single taxi zone. </a:t>
+              <a:t> areas in which the city’s territory is divided. Each taxi queue is associated to a single taxi </a:t>
+            </a:r>
+            <a:r>
+              <a:rPr lang="en-US" sz="2800" dirty="0" smtClean="0">
+                <a:latin typeface="Georgia" panose="02040502050405020303" pitchFamily="18" charset="0"/>
+              </a:rPr>
+              <a:t>zone and </a:t>
+            </a:r>
+            <a:r>
+              <a:rPr lang="en-US" sz="2800" dirty="0" smtClean="0">
+                <a:latin typeface="Georgia" panose="02040502050405020303" pitchFamily="18" charset="0"/>
+              </a:rPr>
+              <a:t>vice versa</a:t>
+            </a:r>
+            <a:r>
+              <a:rPr lang="en-US" sz="2800" dirty="0">
+                <a:latin typeface="Georgia" panose="02040502050405020303" pitchFamily="18" charset="0"/>
+              </a:rPr>
+              <a:t>.</a:t>
             </a:r>
             <a:endParaRPr lang="it-IT" sz="2800" dirty="0">
               <a:latin typeface="Georgia" panose="02040502050405020303" pitchFamily="18" charset="0"/>
@@ -6854,37 +7104,56 @@
               <a:rPr lang="en-US" sz="2800" i="1" dirty="0">
                 <a:latin typeface="Georgia" panose="02040502050405020303" pitchFamily="18" charset="0"/>
               </a:rPr>
-              <a:t>Reservation </a:t>
+              <a:t>Request </a:t>
             </a:r>
             <a:r>
               <a:rPr lang="en-US" sz="2800" dirty="0">
                 <a:latin typeface="Georgia" panose="02040502050405020303" pitchFamily="18" charset="0"/>
               </a:rPr>
-              <a:t>– Ride that has been reserved by a customer using the web or mobile application. </a:t>
+              <a:t>–  Customer’s demand to be picked up by a taxi, sent using the web or mobile application. </a:t>
             </a:r>
             <a:endParaRPr lang="en-US" sz="2800" dirty="0" smtClean="0">
               <a:latin typeface="Georgia" panose="02040502050405020303" pitchFamily="18" charset="0"/>
             </a:endParaRPr>
           </a:p>
           <a:p>
-            <a:endParaRPr lang="en-US" sz="2800" dirty="0">
+            <a:endParaRPr lang="it-IT" sz="2800" dirty="0">
               <a:latin typeface="Georgia" panose="02040502050405020303" pitchFamily="18" charset="0"/>
             </a:endParaRPr>
           </a:p>
           <a:p>
             <a:r>
-              <a:rPr lang="en-US" sz="2800" i="1" dirty="0">
-                <a:latin typeface="Georgia" panose="02040502050405020303" pitchFamily="18" charset="0"/>
-              </a:rPr>
-              <a:t>Request </a:t>
+              <a:rPr lang="en-US" sz="2800" i="1" dirty="0" smtClean="0">
+                <a:latin typeface="Georgia" panose="02040502050405020303" pitchFamily="18" charset="0"/>
+              </a:rPr>
+              <a:t>Reservation </a:t>
             </a:r>
             <a:r>
               <a:rPr lang="en-US" sz="2800" dirty="0">
                 <a:latin typeface="Georgia" panose="02040502050405020303" pitchFamily="18" charset="0"/>
               </a:rPr>
-              <a:t>–  Customer’s demand to be picked up by a taxi, sent using the web or mobile application. </a:t>
-            </a:r>
-            <a:endParaRPr lang="it-IT" sz="2800" dirty="0">
+              <a:t>– Ride that has been reserved by a customer using the web or mobile application. </a:t>
+            </a:r>
+            <a:r>
+              <a:rPr lang="en-US" sz="2800" dirty="0" smtClean="0">
+                <a:latin typeface="Georgia" panose="02040502050405020303" pitchFamily="18" charset="0"/>
+              </a:rPr>
+              <a:t>It becomes automatically a request 10 minutes before the established time.</a:t>
+            </a:r>
+            <a:endParaRPr lang="en-US" sz="2800" dirty="0" smtClean="0">
+              <a:latin typeface="Georgia" panose="02040502050405020303" pitchFamily="18" charset="0"/>
+            </a:endParaRPr>
+          </a:p>
+          <a:p>
+            <a:pPr marL="0" indent="0">
+              <a:buNone/>
+            </a:pPr>
+            <a:endParaRPr lang="en-US" sz="2800" dirty="0" smtClean="0">
+              <a:latin typeface="Georgia" panose="02040502050405020303" pitchFamily="18" charset="0"/>
+            </a:endParaRPr>
+          </a:p>
+          <a:p>
+            <a:endParaRPr lang="en-US" sz="2800" dirty="0">
               <a:latin typeface="Georgia" panose="02040502050405020303" pitchFamily="18" charset="0"/>
             </a:endParaRPr>
           </a:p>
@@ -7134,7 +7403,30 @@
               <a:rPr lang="en-US" sz="2400" dirty="0">
                 <a:latin typeface="Georgia" panose="02040502050405020303" pitchFamily="18" charset="0"/>
               </a:rPr>
-              <a:t>– The status of a taxi driver: if he is available then he can receive a ride request, otherwise no requests can be sent. In detail, these are the 2 </a:t>
+              <a:t>– The status of a taxi </a:t>
+            </a:r>
+            <a:r>
+              <a:rPr lang="en-US" sz="2400" dirty="0" smtClean="0">
+                <a:latin typeface="Georgia" panose="02040502050405020303" pitchFamily="18" charset="0"/>
+              </a:rPr>
+              <a:t>driver.</a:t>
+            </a:r>
+          </a:p>
+          <a:p>
+            <a:pPr marL="0" indent="0">
+              <a:buNone/>
+            </a:pPr>
+            <a:r>
+              <a:rPr lang="en-US" sz="2400" dirty="0" smtClean="0">
+                <a:latin typeface="Georgia" panose="02040502050405020303" pitchFamily="18" charset="0"/>
+              </a:rPr>
+              <a:t>In </a:t>
+            </a:r>
+            <a:r>
+              <a:rPr lang="en-US" sz="2400" dirty="0">
+                <a:latin typeface="Georgia" panose="02040502050405020303" pitchFamily="18" charset="0"/>
+              </a:rPr>
+              <a:t>detail, these are the 2 </a:t>
             </a:r>
             <a:r>
               <a:rPr lang="en-US" sz="2400" dirty="0" smtClean="0">
@@ -7398,6 +7690,67 @@
                                           <p:spTgt spid="3">
                                             <p:txEl>
                                               <p:pRg st="2" end="2"/>
+                                            </p:txEl>
+                                          </p:spTgt>
+                                        </p:tgtEl>
+                                      </p:cBhvr>
+                                    </p:animEffect>
+                                  </p:childTnLst>
+                                </p:cTn>
+                              </p:par>
+                            </p:childTnLst>
+                          </p:cTn>
+                        </p:par>
+                      </p:childTnLst>
+                    </p:cTn>
+                  </p:par>
+                  <p:par>
+                    <p:cTn id="18" fill="hold">
+                      <p:stCondLst>
+                        <p:cond delay="indefinite"/>
+                      </p:stCondLst>
+                      <p:childTnLst>
+                        <p:par>
+                          <p:cTn id="19" fill="hold">
+                            <p:stCondLst>
+                              <p:cond delay="0"/>
+                            </p:stCondLst>
+                            <p:childTnLst>
+                              <p:par>
+                                <p:cTn id="20" presetID="10" presetClass="entr" presetSubtype="0" fill="hold" nodeType="clickEffect">
+                                  <p:stCondLst>
+                                    <p:cond delay="0"/>
+                                  </p:stCondLst>
+                                  <p:childTnLst>
+                                    <p:set>
+                                      <p:cBhvr>
+                                        <p:cTn id="21" dur="1" fill="hold">
+                                          <p:stCondLst>
+                                            <p:cond delay="0"/>
+                                          </p:stCondLst>
+                                        </p:cTn>
+                                        <p:tgtEl>
+                                          <p:spTgt spid="3">
+                                            <p:txEl>
+                                              <p:pRg st="3" end="3"/>
+                                            </p:txEl>
+                                          </p:spTgt>
+                                        </p:tgtEl>
+                                        <p:attrNameLst>
+                                          <p:attrName>style.visibility</p:attrName>
+                                        </p:attrNameLst>
+                                      </p:cBhvr>
+                                      <p:to>
+                                        <p:strVal val="visible"/>
+                                      </p:to>
+                                    </p:set>
+                                    <p:animEffect transition="in" filter="fade">
+                                      <p:cBhvr>
+                                        <p:cTn id="22" dur="500"/>
+                                        <p:tgtEl>
+                                          <p:spTgt spid="3">
+                                            <p:txEl>
+                                              <p:pRg st="3" end="3"/>
                                             </p:txEl>
                                           </p:spTgt>
                                         </p:tgtEl>
@@ -7728,6 +8081,12 @@
                 <a:latin typeface="Georgia" panose="02040502050405020303" pitchFamily="18" charset="0"/>
               </a:rPr>
               <a:t>view</a:t>
+            </a:r>
+            <a:r>
+              <a:rPr lang="it-IT" dirty="0" smtClean="0">
+                <a:latin typeface="Georgia" panose="02040502050405020303" pitchFamily="18" charset="0"/>
+              </a:rPr>
+              <a:t>.</a:t>
             </a:r>
             <a:endParaRPr lang="it-IT" dirty="0">
               <a:latin typeface="Georgia" panose="02040502050405020303" pitchFamily="18" charset="0"/>
@@ -8012,7 +8371,19 @@
               <a:rPr lang="en-US" sz="2800" dirty="0">
                 <a:latin typeface="Georgia" panose="02040502050405020303" pitchFamily="18" charset="0"/>
               </a:rPr>
-              <a:t>– Sometimes taxi drivers and customers are said to be “paired”: this happens only after a requests or 10 minutes before a reservation, when the system choose a taxi driver to serve the customer. Basically it corresponds to the ride status </a:t>
+              <a:t>– Sometimes taxi drivers and customers are said to be “paired”: this happens only after a requests or 10 minutes before a reservation, when the system </a:t>
+            </a:r>
+            <a:r>
+              <a:rPr lang="en-US" sz="2800" dirty="0" smtClean="0">
+                <a:latin typeface="Georgia" panose="02040502050405020303" pitchFamily="18" charset="0"/>
+              </a:rPr>
+              <a:t>chooses </a:t>
+            </a:r>
+            <a:r>
+              <a:rPr lang="en-US" sz="2800" dirty="0">
+                <a:latin typeface="Georgia" panose="02040502050405020303" pitchFamily="18" charset="0"/>
+              </a:rPr>
+              <a:t>a taxi driver to serve the customer. Basically it corresponds to the ride status </a:t>
             </a:r>
             <a:r>
               <a:rPr lang="en-US" sz="2800" i="1" dirty="0">
